--- a/01_ModelisationMultiphysique/Administratif/SCIL2_PPT.pptx
+++ b/01_ModelisationMultiphysique/Administratif/SCIL2_PPT.pptx
@@ -5,15 +5,16 @@
     <p:sldMasterId id="2147484582" r:id="rId1"/>
   </p:sldMasterIdLst>
   <p:notesMasterIdLst>
-    <p:notesMasterId r:id="rId5"/>
+    <p:notesMasterId r:id="rId6"/>
   </p:notesMasterIdLst>
   <p:handoutMasterIdLst>
-    <p:handoutMasterId r:id="rId6"/>
+    <p:handoutMasterId r:id="rId7"/>
   </p:handoutMasterIdLst>
   <p:sldIdLst>
     <p:sldId id="256" r:id="rId2"/>
-    <p:sldId id="258" r:id="rId3"/>
-    <p:sldId id="259" r:id="rId4"/>
+    <p:sldId id="260" r:id="rId3"/>
+    <p:sldId id="258" r:id="rId4"/>
+    <p:sldId id="259" r:id="rId5"/>
   </p:sldIdLst>
   <p:sldSz cx="9144000" cy="6858000" type="screen4x3"/>
   <p:notesSz cx="6858000" cy="9144000"/>
@@ -197,7 +198,8 @@
           <a:p>
             <a:fld id="{A2604479-CBC5-3546-8A0D-DC7D3BA30544}" type="datetimeFigureOut">
               <a:rPr lang="fr-FR" smtClean="0"/>
-              <a:t>01/12/2014</a:t>
+              <a:pPr/>
+              <a:t>06/12/2014</a:t>
             </a:fld>
             <a:endParaRPr lang="fr-FR"/>
           </a:p>
@@ -263,6 +265,7 @@
           <a:p>
             <a:fld id="{F34030A3-A5D3-C641-8CA3-9440A0A1CBC5}" type="slidenum">
               <a:rPr lang="fr-FR" smtClean="0"/>
+              <a:pPr/>
               <a:t>‹N°›</a:t>
             </a:fld>
             <a:endParaRPr lang="fr-FR"/>
@@ -272,7 +275,7 @@
     </p:spTree>
     <p:extLst>
       <p:ext uri="{BB962C8B-B14F-4D97-AF65-F5344CB8AC3E}">
-        <p14:creationId xmlns:p14="http://schemas.microsoft.com/office/powerpoint/2010/main" val="3414476341"/>
+        <p14:creationId xmlns:p14="http://schemas.microsoft.com/office/powerpoint/2010/main" xmlns="" val="3414476341"/>
       </p:ext>
     </p:extLst>
   </p:cSld>
@@ -363,7 +366,8 @@
           <a:p>
             <a:fld id="{7F4FFA02-BD9A-5445-8E51-E6D5A4E1DD4B}" type="datetimeFigureOut">
               <a:rPr lang="fr-FR" smtClean="0"/>
-              <a:t>01/12/2014</a:t>
+              <a:pPr/>
+              <a:t>06/12/2014</a:t>
             </a:fld>
             <a:endParaRPr lang="fr-FR"/>
           </a:p>
@@ -522,6 +526,7 @@
           <a:p>
             <a:fld id="{D69D4C5C-07DB-4146-8BDE-61540ADB1C9B}" type="slidenum">
               <a:rPr lang="fr-FR" smtClean="0"/>
+              <a:pPr/>
               <a:t>‹N°›</a:t>
             </a:fld>
             <a:endParaRPr lang="fr-FR"/>
@@ -531,7 +536,7 @@
     </p:spTree>
     <p:extLst>
       <p:ext uri="{BB962C8B-B14F-4D97-AF65-F5344CB8AC3E}">
-        <p14:creationId xmlns:p14="http://schemas.microsoft.com/office/powerpoint/2010/main" val="401334093"/>
+        <p14:creationId xmlns:p14="http://schemas.microsoft.com/office/powerpoint/2010/main" xmlns="" val="401334093"/>
       </p:ext>
     </p:extLst>
   </p:cSld>
@@ -682,15 +687,39 @@
             </a:r>
             <a:r>
               <a:rPr lang="fr-FR" baseline="0" dirty="0" smtClean="0"/>
-              <a:t> formation d’une journée propose de </a:t>
+              <a:t> formation d’une journée propose de réaliser des modèles </a:t>
             </a:r>
             <a:r>
               <a:rPr lang="fr-FR" baseline="0" dirty="0" smtClean="0"/>
-              <a:t>réaliser des modèles multiphysique sen </a:t>
+              <a:t>multiphysiques en </a:t>
             </a:r>
             <a:r>
               <a:rPr lang="fr-FR" baseline="0" dirty="0" smtClean="0"/>
-              <a:t>s’appuyant sur le logiciel Scilab ainsi que son module XCOS.</a:t>
+              <a:t>s’appuyant sur le logiciel </a:t>
+            </a:r>
+            <a:r>
+              <a:rPr lang="fr-FR" baseline="0" dirty="0" err="1" smtClean="0"/>
+              <a:t>Scilab</a:t>
+            </a:r>
+            <a:r>
+              <a:rPr lang="fr-FR" baseline="0" dirty="0" smtClean="0"/>
+              <a:t> </a:t>
+            </a:r>
+            <a:r>
+              <a:rPr lang="fr-FR" baseline="0" dirty="0" smtClean="0"/>
+              <a:t>et </a:t>
+            </a:r>
+            <a:r>
+              <a:rPr lang="fr-FR" baseline="0" dirty="0" smtClean="0"/>
+              <a:t>son module </a:t>
+            </a:r>
+            <a:r>
+              <a:rPr lang="fr-FR" baseline="0" dirty="0" err="1" smtClean="0"/>
+              <a:t>Xcos</a:t>
+            </a:r>
+            <a:r>
+              <a:rPr lang="fr-FR" baseline="0" dirty="0" smtClean="0"/>
+              <a:t>.</a:t>
             </a:r>
           </a:p>
           <a:p>
@@ -715,6 +744,7 @@
           <a:p>
             <a:fld id="{D69D4C5C-07DB-4146-8BDE-61540ADB1C9B}" type="slidenum">
               <a:rPr lang="fr-FR" smtClean="0"/>
+              <a:pPr/>
               <a:t>1</a:t>
             </a:fld>
             <a:endParaRPr lang="fr-FR"/>
@@ -724,7 +754,7 @@
     </p:spTree>
     <p:extLst>
       <p:ext uri="{BB962C8B-B14F-4D97-AF65-F5344CB8AC3E}">
-        <p14:creationId xmlns:p14="http://schemas.microsoft.com/office/powerpoint/2010/main" val="2560094274"/>
+        <p14:creationId xmlns:p14="http://schemas.microsoft.com/office/powerpoint/2010/main" xmlns="" val="2560094274"/>
       </p:ext>
     </p:extLst>
   </p:cSld>
@@ -775,30 +805,59 @@
         </p:nvSpPr>
         <p:spPr/>
         <p:txBody>
+          <a:bodyPr>
+            <a:normAutofit/>
+          </a:bodyPr>
+          <a:lstStyle/>
+          <a:p>
+            <a:r>
+              <a:rPr lang="fr-FR" baseline="0" dirty="0" smtClean="0"/>
+              <a:t>Nous aborderons :</a:t>
+            </a:r>
+          </a:p>
+          <a:p>
+            <a:pPr>
+              <a:buFontTx/>
+              <a:buChar char="-"/>
+            </a:pPr>
+            <a:r>
+              <a:rPr lang="fr-FR" baseline="0" dirty="0" smtClean="0"/>
+              <a:t>la modélisation acausale : modélisation des constituants « réaliste »,</a:t>
+            </a:r>
+          </a:p>
+          <a:p>
+            <a:pPr>
+              <a:buFontTx/>
+              <a:buChar char="-"/>
+            </a:pPr>
+            <a:r>
+              <a:rPr lang="fr-FR" baseline="0" dirty="0" smtClean="0"/>
+              <a:t>la modélisation causale : schémas blocs et fonctions de transferts dans le domaine symbolique.</a:t>
+            </a:r>
+          </a:p>
+          <a:p>
+            <a:endParaRPr lang="fr-FR" dirty="0"/>
+          </a:p>
+        </p:txBody>
+      </p:sp>
+      <p:sp>
+        <p:nvSpPr>
+          <p:cNvPr id="4" name="Espace réservé du numéro de diapositive 3"/>
+          <p:cNvSpPr>
+            <a:spLocks noGrp="1"/>
+          </p:cNvSpPr>
+          <p:nvPr>
+            <p:ph type="sldNum" sz="quarter" idx="10"/>
+          </p:nvPr>
+        </p:nvSpPr>
+        <p:spPr/>
+        <p:txBody>
           <a:bodyPr/>
           <a:lstStyle/>
           <a:p>
-            <a:endParaRPr lang="fr-FR" dirty="0"/>
-          </a:p>
-        </p:txBody>
-      </p:sp>
-      <p:sp>
-        <p:nvSpPr>
-          <p:cNvPr id="4" name="Espace réservé du numéro de diapositive 3"/>
-          <p:cNvSpPr>
-            <a:spLocks noGrp="1"/>
-          </p:cNvSpPr>
-          <p:nvPr>
-            <p:ph type="sldNum" sz="quarter" idx="10"/>
-          </p:nvPr>
-        </p:nvSpPr>
-        <p:spPr/>
-        <p:txBody>
-          <a:bodyPr/>
-          <a:lstStyle/>
-          <a:p>
             <a:fld id="{D69D4C5C-07DB-4146-8BDE-61540ADB1C9B}" type="slidenum">
               <a:rPr lang="fr-FR" smtClean="0"/>
+              <a:pPr/>
               <a:t>2</a:t>
             </a:fld>
             <a:endParaRPr lang="fr-FR"/>
@@ -806,11 +865,6 @@
         </p:txBody>
       </p:sp>
     </p:spTree>
-    <p:extLst>
-      <p:ext uri="{BB962C8B-B14F-4D97-AF65-F5344CB8AC3E}">
-        <p14:creationId xmlns:p14="http://schemas.microsoft.com/office/powerpoint/2010/main" val="1028214212"/>
-      </p:ext>
-    </p:extLst>
   </p:cSld>
   <p:clrMapOvr>
     <a:masterClrMapping/>
@@ -862,42 +916,7 @@
           <a:bodyPr/>
           <a:lstStyle/>
           <a:p>
-            <a:r>
-              <a:rPr lang="fr-FR" dirty="0" smtClean="0"/>
-              <a:t>Afin</a:t>
-            </a:r>
-            <a:r>
-              <a:rPr lang="fr-FR" baseline="0" dirty="0" smtClean="0"/>
-              <a:t> de suivre cette formation, il est nécessaire d’avoir suivi la formation SCIL1.</a:t>
-            </a:r>
-          </a:p>
-          <a:p>
-            <a:r>
-              <a:rPr lang="fr-FR" baseline="0" dirty="0" smtClean="0"/>
-              <a:t>Il est attendu que les participants sachent créer un schéma avec XCOS à partir d’un schéma fourni et sachent lancer une simulation. </a:t>
-            </a:r>
-          </a:p>
-          <a:p>
-            <a:r>
-              <a:rPr lang="fr-FR" baseline="0" dirty="0" smtClean="0"/>
-              <a:t>Pour cela, avoir suivi la formation SCIL1 peut être une bonne base. </a:t>
-            </a:r>
-          </a:p>
-          <a:p>
-            <a:endParaRPr lang="fr-FR" baseline="0" dirty="0" smtClean="0"/>
-          </a:p>
-          <a:p>
-            <a:r>
-              <a:rPr lang="fr-FR" baseline="0" dirty="0" smtClean="0"/>
-              <a:t>Dans le cas où les enseignants souhaiteraient développer leur propres modèles, il est recommandé de faire remonter leurs besoins aux formateurs afin qu’une réflexion puisse être menée </a:t>
-            </a:r>
-            <a:r>
-              <a:rPr lang="fr-FR" baseline="0" smtClean="0"/>
-              <a:t>en amont.</a:t>
-            </a:r>
-          </a:p>
-          <a:p>
-            <a:endParaRPr lang="fr-FR" baseline="0" smtClean="0"/>
+            <a:endParaRPr lang="fr-FR" dirty="0"/>
           </a:p>
         </p:txBody>
       </p:sp>
@@ -918,6 +937,7 @@
           <a:p>
             <a:fld id="{D69D4C5C-07DB-4146-8BDE-61540ADB1C9B}" type="slidenum">
               <a:rPr lang="fr-FR" smtClean="0"/>
+              <a:pPr/>
               <a:t>3</a:t>
             </a:fld>
             <a:endParaRPr lang="fr-FR"/>
@@ -927,7 +947,143 @@
     </p:spTree>
     <p:extLst>
       <p:ext uri="{BB962C8B-B14F-4D97-AF65-F5344CB8AC3E}">
-        <p14:creationId xmlns:p14="http://schemas.microsoft.com/office/powerpoint/2010/main" val="1495809067"/>
+        <p14:creationId xmlns:p14="http://schemas.microsoft.com/office/powerpoint/2010/main" xmlns="" val="1028214212"/>
+      </p:ext>
+    </p:extLst>
+  </p:cSld>
+  <p:clrMapOvr>
+    <a:masterClrMapping/>
+  </p:clrMapOvr>
+</p:notes>
+</file>
+
+<file path=ppt/notesSlides/notesSlide4.xml><?xml version="1.0" encoding="utf-8"?>
+<p:notes xmlns:a="http://schemas.openxmlformats.org/drawingml/2006/main" xmlns:r="http://schemas.openxmlformats.org/officeDocument/2006/relationships" xmlns:p="http://schemas.openxmlformats.org/presentationml/2006/main">
+  <p:cSld>
+    <p:spTree>
+      <p:nvGrpSpPr>
+        <p:cNvPr id="1" name=""/>
+        <p:cNvGrpSpPr/>
+        <p:nvPr/>
+      </p:nvGrpSpPr>
+      <p:grpSpPr>
+        <a:xfrm>
+          <a:off x="0" y="0"/>
+          <a:ext cx="0" cy="0"/>
+          <a:chOff x="0" y="0"/>
+          <a:chExt cx="0" cy="0"/>
+        </a:xfrm>
+      </p:grpSpPr>
+      <p:sp>
+        <p:nvSpPr>
+          <p:cNvPr id="2" name="Espace réservé de l'image des diapositives 1"/>
+          <p:cNvSpPr>
+            <a:spLocks noGrp="1" noRot="1" noChangeAspect="1"/>
+          </p:cNvSpPr>
+          <p:nvPr>
+            <p:ph type="sldImg"/>
+          </p:nvPr>
+        </p:nvSpPr>
+        <p:spPr/>
+      </p:sp>
+      <p:sp>
+        <p:nvSpPr>
+          <p:cNvPr id="3" name="Espace réservé des commentaires 2"/>
+          <p:cNvSpPr>
+            <a:spLocks noGrp="1"/>
+          </p:cNvSpPr>
+          <p:nvPr>
+            <p:ph type="body" idx="1"/>
+          </p:nvPr>
+        </p:nvSpPr>
+        <p:spPr/>
+        <p:txBody>
+          <a:bodyPr/>
+          <a:lstStyle/>
+          <a:p>
+            <a:r>
+              <a:rPr lang="fr-FR" dirty="0" smtClean="0"/>
+              <a:t>Afin</a:t>
+            </a:r>
+            <a:r>
+              <a:rPr lang="fr-FR" baseline="0" dirty="0" smtClean="0"/>
+              <a:t> de suivre cette formation, il est nécessaire d’avoir suivi la formation SCIL1.</a:t>
+            </a:r>
+          </a:p>
+          <a:p>
+            <a:r>
+              <a:rPr lang="fr-FR" baseline="0" dirty="0" smtClean="0"/>
+              <a:t>Il est attendu que les participants sachent créer un schéma avec </a:t>
+            </a:r>
+            <a:r>
+              <a:rPr lang="fr-FR" baseline="0" dirty="0" err="1" smtClean="0"/>
+              <a:t>Xcos</a:t>
+            </a:r>
+            <a:r>
+              <a:rPr lang="fr-FR" baseline="0" dirty="0" smtClean="0"/>
+              <a:t> </a:t>
+            </a:r>
+            <a:r>
+              <a:rPr lang="fr-FR" baseline="0" dirty="0" smtClean="0"/>
+              <a:t>à partir d’un schéma </a:t>
+            </a:r>
+            <a:r>
+              <a:rPr lang="fr-FR" baseline="0" dirty="0" smtClean="0"/>
+              <a:t>fourni, </a:t>
+            </a:r>
+            <a:r>
+              <a:rPr lang="fr-FR" baseline="0" dirty="0" smtClean="0"/>
+              <a:t>et sachent lancer une simulation. </a:t>
+            </a:r>
+          </a:p>
+          <a:p>
+            <a:r>
+              <a:rPr lang="fr-FR" baseline="0" dirty="0" smtClean="0"/>
+              <a:t>Pour cela, avoir suivi la formation SCIL1 peut être une bonne base. </a:t>
+            </a:r>
+          </a:p>
+          <a:p>
+            <a:endParaRPr lang="fr-FR" baseline="0" dirty="0" smtClean="0"/>
+          </a:p>
+          <a:p>
+            <a:r>
+              <a:rPr lang="fr-FR" baseline="0" dirty="0" smtClean="0"/>
+              <a:t>Dans le cas où les enseignants souhaiteraient développer leur propres modèles, il est recommandé de faire remonter leurs besoins aux formateurs afin qu’une réflexion puisse être menée en amont.</a:t>
+            </a:r>
+          </a:p>
+          <a:p>
+            <a:endParaRPr lang="fr-FR" baseline="0" dirty="0" smtClean="0"/>
+          </a:p>
+        </p:txBody>
+      </p:sp>
+      <p:sp>
+        <p:nvSpPr>
+          <p:cNvPr id="4" name="Espace réservé du numéro de diapositive 3"/>
+          <p:cNvSpPr>
+            <a:spLocks noGrp="1"/>
+          </p:cNvSpPr>
+          <p:nvPr>
+            <p:ph type="sldNum" sz="quarter" idx="10"/>
+          </p:nvPr>
+        </p:nvSpPr>
+        <p:spPr/>
+        <p:txBody>
+          <a:bodyPr/>
+          <a:lstStyle/>
+          <a:p>
+            <a:fld id="{D69D4C5C-07DB-4146-8BDE-61540ADB1C9B}" type="slidenum">
+              <a:rPr lang="fr-FR" smtClean="0"/>
+              <a:pPr/>
+              <a:t>4</a:t>
+            </a:fld>
+            <a:endParaRPr lang="fr-FR"/>
+          </a:p>
+        </p:txBody>
+      </p:sp>
+    </p:spTree>
+    <p:extLst>
+      <p:ext uri="{BB962C8B-B14F-4D97-AF65-F5344CB8AC3E}">
+        <p14:creationId xmlns:p14="http://schemas.microsoft.com/office/powerpoint/2010/main" xmlns="" val="1495809067"/>
       </p:ext>
     </p:extLst>
   </p:cSld>
@@ -1125,7 +1281,8 @@
           <a:p>
             <a:fld id="{6709E43B-9441-6341-BD63-84DDA1A9C3FB}" type="datetime1">
               <a:rPr lang="fr-FR" smtClean="0"/>
-              <a:t>01/12/2014</a:t>
+              <a:pPr/>
+              <a:t>06/12/2014</a:t>
             </a:fld>
             <a:endParaRPr lang="fr-FR"/>
           </a:p>
@@ -1171,6 +1328,7 @@
           <a:p>
             <a:fld id="{5FD889E0-CAB2-4699-909D-B9A88D47ACBE}" type="slidenum">
               <a:rPr lang="en-US" smtClean="0"/>
+              <a:pPr/>
               <a:t>‹N°›</a:t>
             </a:fld>
             <a:endParaRPr lang="en-US"/>
@@ -1329,7 +1487,8 @@
           <a:p>
             <a:fld id="{268AA955-8B04-894F-8FDF-A5E12E980EDC}" type="datetime1">
               <a:rPr lang="fr-FR" smtClean="0"/>
-              <a:t>01/12/2014</a:t>
+              <a:pPr/>
+              <a:t>06/12/2014</a:t>
             </a:fld>
             <a:endParaRPr lang="fr-FR"/>
           </a:p>
@@ -1375,6 +1534,7 @@
           <a:p>
             <a:fld id="{9B8334CA-52B9-8B4B-AA0F-E9B48CBEA1E4}" type="slidenum">
               <a:rPr lang="fr-FR" smtClean="0"/>
+              <a:pPr/>
               <a:t>‹N°›</a:t>
             </a:fld>
             <a:endParaRPr lang="fr-FR"/>
@@ -1508,7 +1668,8 @@
           <a:p>
             <a:fld id="{FDC97532-5F56-764F-9C75-F53758D5A21E}" type="datetime1">
               <a:rPr lang="fr-FR" smtClean="0"/>
-              <a:t>01/12/2014</a:t>
+              <a:pPr/>
+              <a:t>06/12/2014</a:t>
             </a:fld>
             <a:endParaRPr lang="fr-FR"/>
           </a:p>
@@ -1554,6 +1715,7 @@
           <a:p>
             <a:fld id="{9B8334CA-52B9-8B4B-AA0F-E9B48CBEA1E4}" type="slidenum">
               <a:rPr lang="fr-FR" smtClean="0"/>
+              <a:pPr/>
               <a:t>‹N°›</a:t>
             </a:fld>
             <a:endParaRPr lang="fr-FR"/>
@@ -1703,7 +1865,8 @@
           <a:p>
             <a:fld id="{EC050341-9FD1-4D41-897E-C16A13D412D6}" type="datetime1">
               <a:rPr lang="fr-FR" smtClean="0"/>
-              <a:t>01/12/2014</a:t>
+              <a:pPr/>
+              <a:t>06/12/2014</a:t>
             </a:fld>
             <a:endParaRPr lang="fr-FR"/>
           </a:p>
@@ -1749,6 +1912,7 @@
           <a:p>
             <a:fld id="{9B8334CA-52B9-8B4B-AA0F-E9B48CBEA1E4}" type="slidenum">
               <a:rPr lang="fr-FR" smtClean="0"/>
+              <a:pPr/>
               <a:t>‹N°›</a:t>
             </a:fld>
             <a:endParaRPr lang="fr-FR"/>
@@ -1962,7 +2126,8 @@
           <a:p>
             <a:fld id="{267F1CD6-E1AD-4847-B8D2-9BC7541D26A9}" type="datetime1">
               <a:rPr lang="fr-FR" smtClean="0"/>
-              <a:t>01/12/2014</a:t>
+              <a:pPr/>
+              <a:t>06/12/2014</a:t>
             </a:fld>
             <a:endParaRPr lang="fr-FR"/>
           </a:p>
@@ -2008,6 +2173,7 @@
           <a:p>
             <a:fld id="{4A822907-8A9D-4F6B-98F6-913902AD56B5}" type="slidenum">
               <a:rPr lang="en-US" smtClean="0"/>
+              <a:pPr/>
               <a:t>‹N°›</a:t>
             </a:fld>
             <a:endParaRPr lang="en-US"/>
@@ -2284,7 +2450,8 @@
           <a:p>
             <a:fld id="{377C4889-60B5-CD4F-97E2-5B317AA429BB}" type="datetime1">
               <a:rPr lang="fr-FR" smtClean="0"/>
-              <a:t>01/12/2014</a:t>
+              <a:pPr/>
+              <a:t>06/12/2014</a:t>
             </a:fld>
             <a:endParaRPr lang="fr-FR"/>
           </a:p>
@@ -2330,6 +2497,7 @@
           <a:p>
             <a:fld id="{9B8334CA-52B9-8B4B-AA0F-E9B48CBEA1E4}" type="slidenum">
               <a:rPr lang="fr-FR" smtClean="0"/>
+              <a:pPr/>
               <a:t>‹N°›</a:t>
             </a:fld>
             <a:endParaRPr lang="fr-FR"/>
@@ -2754,7 +2922,8 @@
           <a:p>
             <a:fld id="{0FA1CA9B-4F70-864C-920B-92AD8DFE7583}" type="datetime1">
               <a:rPr lang="fr-FR" smtClean="0"/>
-              <a:t>01/12/2014</a:t>
+              <a:pPr/>
+              <a:t>06/12/2014</a:t>
             </a:fld>
             <a:endParaRPr lang="fr-FR"/>
           </a:p>
@@ -2800,6 +2969,7 @@
           <a:p>
             <a:fld id="{9B8334CA-52B9-8B4B-AA0F-E9B48CBEA1E4}" type="slidenum">
               <a:rPr lang="fr-FR" smtClean="0"/>
+              <a:pPr/>
               <a:t>‹N°›</a:t>
             </a:fld>
             <a:endParaRPr lang="fr-FR"/>
@@ -2906,7 +3076,8 @@
           <a:p>
             <a:fld id="{4F2CC383-4EE0-2241-AEE6-2AAA6580B403}" type="datetime1">
               <a:rPr lang="fr-FR" smtClean="0"/>
-              <a:t>01/12/2014</a:t>
+              <a:pPr/>
+              <a:t>06/12/2014</a:t>
             </a:fld>
             <a:endParaRPr lang="fr-FR"/>
           </a:p>
@@ -2952,6 +3123,7 @@
           <a:p>
             <a:fld id="{9B8334CA-52B9-8B4B-AA0F-E9B48CBEA1E4}" type="slidenum">
               <a:rPr lang="fr-FR" smtClean="0"/>
+              <a:pPr/>
               <a:t>‹N°›</a:t>
             </a:fld>
             <a:endParaRPr lang="fr-FR"/>
@@ -3000,7 +3172,8 @@
           <a:p>
             <a:fld id="{3F29AFFA-2E38-E240-9E76-4B3B98489A6D}" type="datetime1">
               <a:rPr lang="fr-FR" smtClean="0"/>
-              <a:t>01/12/2014</a:t>
+              <a:pPr/>
+              <a:t>06/12/2014</a:t>
             </a:fld>
             <a:endParaRPr lang="fr-FR"/>
           </a:p>
@@ -3046,6 +3219,7 @@
           <a:p>
             <a:fld id="{9B8334CA-52B9-8B4B-AA0F-E9B48CBEA1E4}" type="slidenum">
               <a:rPr lang="fr-FR" smtClean="0"/>
+              <a:pPr/>
               <a:t>‹N°›</a:t>
             </a:fld>
             <a:endParaRPr lang="fr-FR"/>
@@ -3278,7 +3452,8 @@
           <a:p>
             <a:fld id="{BC66C2F2-1133-B742-8E81-ACE648734598}" type="datetime1">
               <a:rPr lang="fr-FR" smtClean="0"/>
-              <a:t>01/12/2014</a:t>
+              <a:pPr/>
+              <a:t>06/12/2014</a:t>
             </a:fld>
             <a:endParaRPr lang="fr-FR"/>
           </a:p>
@@ -3324,6 +3499,7 @@
           <a:p>
             <a:fld id="{7F5CE407-6216-4202-80E4-A30DC2F709B2}" type="slidenum">
               <a:rPr lang="en-US" smtClean="0"/>
+              <a:pPr/>
               <a:t>‹N°›</a:t>
             </a:fld>
             <a:endParaRPr lang="en-US"/>
@@ -3587,7 +3763,8 @@
           <a:p>
             <a:fld id="{7312FBEE-7E81-E746-8617-1B9234528FDD}" type="datetime1">
               <a:rPr lang="fr-FR" smtClean="0"/>
-              <a:t>01/12/2014</a:t>
+              <a:pPr/>
+              <a:t>06/12/2014</a:t>
             </a:fld>
             <a:endParaRPr lang="fr-FR"/>
           </a:p>
@@ -3633,6 +3810,7 @@
           <a:p>
             <a:fld id="{9B8334CA-52B9-8B4B-AA0F-E9B48CBEA1E4}" type="slidenum">
               <a:rPr lang="fr-FR" smtClean="0"/>
+              <a:pPr/>
               <a:t>‹N°›</a:t>
             </a:fld>
             <a:endParaRPr lang="fr-FR"/>
@@ -3889,7 +4067,8 @@
           <a:p>
             <a:fld id="{B90A4B7D-106F-C147-BCBF-57A394B22041}" type="datetime1">
               <a:rPr lang="fr-FR" smtClean="0"/>
-              <a:t>01/12/2014</a:t>
+              <a:pPr/>
+              <a:t>06/12/2014</a:t>
             </a:fld>
             <a:endParaRPr lang="fr-FR"/>
           </a:p>
@@ -3967,6 +4146,7 @@
           <a:p>
             <a:fld id="{9B8334CA-52B9-8B4B-AA0F-E9B48CBEA1E4}" type="slidenum">
               <a:rPr lang="fr-FR" smtClean="0"/>
+              <a:pPr/>
               <a:t>‹N°›</a:t>
             </a:fld>
             <a:endParaRPr lang="fr-FR"/>
@@ -4317,26 +4497,14 @@
           <a:p>
             <a:r>
               <a:rPr lang="fr-FR" sz="3600" dirty="0" smtClean="0"/>
-              <a:t>Scilab – XCOS – Niveau </a:t>
-            </a:r>
-            <a:r>
-              <a:rPr lang="fr-FR" sz="3600" dirty="0" smtClean="0"/>
-              <a:t>2</a:t>
-            </a:r>
-            <a:r>
-              <a:rPr lang="fr-FR" sz="3600" dirty="0" smtClean="0"/>
-              <a:t/>
+              <a:t>Scilab – XCOS – Niveau 2</a:t>
             </a:r>
             <a:br>
               <a:rPr lang="fr-FR" sz="3600" dirty="0" smtClean="0"/>
             </a:br>
             <a:r>
               <a:rPr lang="fr-FR" sz="3600" dirty="0" smtClean="0"/>
-              <a:t>modélisation </a:t>
-            </a:r>
-            <a:r>
-              <a:rPr lang="fr-FR" sz="3600" dirty="0" smtClean="0"/>
-              <a:t>multiphysique</a:t>
+              <a:t>modélisation multiphysique</a:t>
             </a:r>
             <a:endParaRPr lang="fr-FR" sz="3600" dirty="0"/>
           </a:p>
@@ -4359,13 +4527,24 @@
           </a:xfrm>
         </p:spPr>
         <p:txBody>
-          <a:bodyPr/>
+          <a:bodyPr>
+            <a:normAutofit fontScale="92500" lnSpcReduction="20000"/>
+          </a:bodyPr>
           <a:lstStyle/>
           <a:p>
             <a:r>
               <a:rPr lang="fr-FR" dirty="0" smtClean="0"/>
               <a:t>SCIL2</a:t>
             </a:r>
+          </a:p>
+          <a:p>
+            <a:endParaRPr lang="fr-FR" dirty="0" smtClean="0"/>
+          </a:p>
+          <a:p>
+            <a:r>
+              <a:rPr lang="fr-FR" dirty="0" smtClean="0"/>
+              <a:t>Approche causale et acausale</a:t>
+            </a:r>
             <a:endParaRPr lang="fr-FR" dirty="0" smtClean="0"/>
           </a:p>
           <a:p>
@@ -4385,7 +4564,6 @@
               <a:rPr lang="fr-FR" dirty="0" smtClean="0"/>
               <a:t>Utilisation de la modélisation multiphysique en cours de formation</a:t>
             </a:r>
-            <a:endParaRPr lang="fr-FR" dirty="0" smtClean="0"/>
           </a:p>
           <a:p>
             <a:endParaRPr lang="fr-FR" dirty="0"/>
@@ -4427,19 +4605,19 @@
     </p:spTree>
     <p:extLst>
       <p:ext uri="{BB962C8B-B14F-4D97-AF65-F5344CB8AC3E}">
-        <p14:creationId xmlns:p14="http://schemas.microsoft.com/office/powerpoint/2010/main" val="3037635492"/>
+        <p14:creationId xmlns:p14="http://schemas.microsoft.com/office/powerpoint/2010/main" xmlns="" val="3037635492"/>
       </p:ext>
     </p:extLst>
   </p:cSld>
   <p:clrMapOvr>
     <a:masterClrMapping/>
   </p:clrMapOvr>
-  <mc:AlternateContent xmlns:mc="http://schemas.openxmlformats.org/markup-compatibility/2006" xmlns:p14="http://schemas.microsoft.com/office/powerpoint/2010/main">
-    <mc:Choice Requires="p14">
+  <mc:AlternateContent xmlns:mc="http://schemas.openxmlformats.org/markup-compatibility/2006">
+    <mc:Choice xmlns:p14="http://schemas.microsoft.com/office/powerpoint/2010/main" xmlns="" Requires="p14">
       <p:transition spd="slow" p14:dur="2000"/>
     </mc:Choice>
-    <mc:Fallback xmlns="">
-      <p:transition xmlns:p14="http://schemas.microsoft.com/office/powerpoint/2010/main" spd="slow"/>
+    <mc:Fallback>
+      <p:transition spd="slow"/>
     </mc:Fallback>
   </mc:AlternateContent>
   <p:timing>
@@ -4494,6 +4672,70 @@
       </p:sp>
       <p:sp>
         <p:nvSpPr>
+          <p:cNvPr id="3" name="Espace réservé du contenu 2"/>
+          <p:cNvSpPr>
+            <a:spLocks noGrp="1"/>
+          </p:cNvSpPr>
+          <p:nvPr>
+            <p:ph idx="1"/>
+          </p:nvPr>
+        </p:nvSpPr>
+        <p:spPr/>
+        <p:txBody>
+          <a:bodyPr/>
+          <a:lstStyle/>
+          <a:p>
+            <a:r>
+              <a:rPr lang="fr-FR" dirty="0" smtClean="0"/>
+              <a:t>Modélisation acausale : approche « réaliste »</a:t>
+            </a:r>
+          </a:p>
+          <a:p>
+            <a:pPr>
+              <a:buNone/>
+            </a:pPr>
+            <a:endParaRPr lang="fr-FR" dirty="0" smtClean="0"/>
+          </a:p>
+          <a:p>
+            <a:pPr>
+              <a:buNone/>
+            </a:pPr>
+            <a:endParaRPr lang="fr-FR" dirty="0" smtClean="0"/>
+          </a:p>
+          <a:p>
+            <a:pPr>
+              <a:buNone/>
+            </a:pPr>
+            <a:endParaRPr lang="fr-FR" dirty="0" smtClean="0"/>
+          </a:p>
+          <a:p>
+            <a:pPr>
+              <a:buNone/>
+            </a:pPr>
+            <a:endParaRPr lang="fr-FR" dirty="0" smtClean="0"/>
+          </a:p>
+          <a:p>
+            <a:r>
+              <a:rPr lang="fr-FR" dirty="0" smtClean="0"/>
+              <a:t>Modélisation causale : approche par fonctions de transfert</a:t>
+            </a:r>
+          </a:p>
+          <a:p>
+            <a:pPr>
+              <a:buNone/>
+            </a:pPr>
+            <a:endParaRPr lang="fr-FR" dirty="0" smtClean="0"/>
+          </a:p>
+          <a:p>
+            <a:pPr>
+              <a:buNone/>
+            </a:pPr>
+            <a:endParaRPr lang="fr-FR" dirty="0"/>
+          </a:p>
+        </p:txBody>
+      </p:sp>
+      <p:sp>
+        <p:nvSpPr>
           <p:cNvPr id="4" name="Espace réservé du pied de page 3"/>
           <p:cNvSpPr>
             <a:spLocks noGrp="1"/>
@@ -4508,104 +4750,202 @@
           <a:lstStyle/>
           <a:p>
             <a:r>
-              <a:rPr lang="fr-FR" dirty="0" smtClean="0"/>
+              <a:rPr lang="fr-FR" smtClean="0"/>
               <a:t>Académie de Nice - PAF 2015</a:t>
             </a:r>
-            <a:endParaRPr lang="fr-FR" dirty="0"/>
-          </a:p>
-        </p:txBody>
-      </p:sp>
-      <p:sp>
-        <p:nvSpPr>
-          <p:cNvPr id="3" name="Espace réservé du contenu 2"/>
-          <p:cNvSpPr>
-            <a:spLocks noGrp="1"/>
-          </p:cNvSpPr>
-          <p:nvPr>
-            <p:ph idx="1"/>
-          </p:nvPr>
-        </p:nvSpPr>
-        <p:spPr>
+            <a:endParaRPr lang="fr-FR"/>
+          </a:p>
+        </p:txBody>
+      </p:sp>
+      <p:pic>
+        <p:nvPicPr>
+          <p:cNvPr id="5" name="Picture 3"/>
+          <p:cNvPicPr>
+            <a:picLocks noChangeAspect="1" noChangeArrowheads="1"/>
+          </p:cNvPicPr>
+          <p:nvPr/>
+        </p:nvPicPr>
+        <p:blipFill>
+          <a:blip r:embed="rId3">
+            <a:extLst>
+              <a:ext uri="{28A0092B-C50C-407E-A947-70E740481C1C}">
+                <a14:useLocalDpi xmlns:a14="http://schemas.microsoft.com/office/drawing/2010/main" xmlns="" val="0"/>
+              </a:ext>
+            </a:extLst>
+          </a:blip>
+          <a:srcRect/>
+          <a:stretch>
+            <a:fillRect/>
+          </a:stretch>
+        </p:blipFill>
+        <p:spPr bwMode="auto">
           <a:xfrm>
-            <a:off x="457199" y="1600200"/>
-            <a:ext cx="8354291" cy="4611414"/>
+            <a:off x="2376140" y="4499154"/>
+            <a:ext cx="4245377" cy="1567523"/>
           </a:xfrm>
+          <a:prstGeom prst="rect">
+            <a:avLst/>
+          </a:prstGeom>
+          <a:ln>
+            <a:noFill/>
+          </a:ln>
+          <a:effectLst>
+            <a:outerShdw blurRad="292100" dist="139700" dir="2700000" algn="tl" rotWithShape="0">
+              <a:srgbClr val="333333">
+                <a:alpha val="65000"/>
+              </a:srgbClr>
+            </a:outerShdw>
+          </a:effectLst>
+          <a:extLst>
+            <a:ext uri="{909E8E84-426E-40DD-AFC4-6F175D3DCCD1}">
+              <a14:hiddenFill xmlns:a14="http://schemas.microsoft.com/office/drawing/2010/main" xmlns="">
+                <a:solidFill>
+                  <a:schemeClr val="accent1"/>
+                </a:solidFill>
+              </a14:hiddenFill>
+            </a:ext>
+            <a:ext uri="{91240B29-F687-4F45-9708-019B960494DF}">
+              <a14:hiddenLine xmlns:a14="http://schemas.microsoft.com/office/drawing/2010/main" xmlns="" w="9525">
+                <a:solidFill>
+                  <a:schemeClr val="tx1"/>
+                </a:solidFill>
+                <a:miter lim="800000"/>
+                <a:headEnd/>
+                <a:tailEnd/>
+              </a14:hiddenLine>
+            </a:ext>
+          </a:extLst>
         </p:spPr>
-        <p:txBody>
-          <a:bodyPr>
-            <a:normAutofit lnSpcReduction="10000"/>
-          </a:bodyPr>
-          <a:lstStyle/>
-          <a:p>
-            <a:r>
-              <a:rPr lang="fr-FR" dirty="0" smtClean="0"/>
-              <a:t>Modélisation multiphysique sur un support commun</a:t>
-            </a:r>
-          </a:p>
-          <a:p>
-            <a:pPr lvl="1"/>
-            <a:r>
-              <a:rPr lang="fr-FR" dirty="0" smtClean="0"/>
-              <a:t>Dans ce volet de la formation nous proposons aux participants de réaliser un modèle multiphysique en autonomie à partir d’un système de TP ou d’un sujet de BAC ou de concours.</a:t>
-            </a:r>
-            <a:endParaRPr lang="fr-FR" dirty="0" smtClean="0"/>
-          </a:p>
-          <a:p>
-            <a:r>
-              <a:rPr lang="fr-FR" dirty="0" smtClean="0"/>
-              <a:t>Modélisation multiphysique sur un support personnel</a:t>
-            </a:r>
-          </a:p>
-          <a:p>
-            <a:pPr lvl="1"/>
-            <a:r>
-              <a:rPr lang="fr-FR" dirty="0" smtClean="0"/>
-              <a:t>Dans ce volet, nous proposons aux participants de créer un TP ou un TD s’appuyant sur XCOS. </a:t>
-            </a:r>
-          </a:p>
-          <a:p>
-            <a:pPr lvl="1"/>
-            <a:r>
-              <a:rPr lang="fr-FR" dirty="0" smtClean="0"/>
-              <a:t>Des dossiers techniques seront mis à la disposition des participants par les formateurs. </a:t>
-            </a:r>
-          </a:p>
-          <a:p>
-            <a:pPr lvl="1"/>
-            <a:r>
-              <a:rPr lang="fr-FR" dirty="0" smtClean="0"/>
-              <a:t>Les participants peuvent apporter leurs propre documents afin de développer leur propre modèles.</a:t>
-            </a:r>
-          </a:p>
-          <a:p>
-            <a:r>
-              <a:rPr lang="fr-FR" dirty="0" smtClean="0"/>
-              <a:t>Le multiphysique au long de la formation</a:t>
-            </a:r>
-          </a:p>
-          <a:p>
-            <a:pPr lvl="1"/>
-            <a:r>
-              <a:rPr lang="fr-FR" dirty="0" smtClean="0"/>
-              <a:t>Une réflexion sera menée sur l’utilisation de logiciels </a:t>
-            </a:r>
-            <a:r>
-              <a:rPr lang="fr-FR" dirty="0" err="1" smtClean="0"/>
-              <a:t>multiphysiques</a:t>
-            </a:r>
-            <a:r>
-              <a:rPr lang="fr-FR" dirty="0" smtClean="0"/>
-              <a:t> tout au long de la formation. </a:t>
-            </a:r>
-          </a:p>
-        </p:txBody>
-      </p:sp>
+      </p:pic>
+      <p:pic>
+        <p:nvPicPr>
+          <p:cNvPr id="6" name="Picture 3"/>
+          <p:cNvPicPr>
+            <a:picLocks noChangeAspect="1" noChangeArrowheads="1"/>
+          </p:cNvPicPr>
+          <p:nvPr/>
+        </p:nvPicPr>
+        <p:blipFill>
+          <a:blip r:embed="rId4">
+            <a:extLst>
+              <a:ext uri="{28A0092B-C50C-407E-A947-70E740481C1C}">
+                <a14:useLocalDpi xmlns:a14="http://schemas.microsoft.com/office/drawing/2010/main" xmlns="" val="0"/>
+              </a:ext>
+            </a:extLst>
+          </a:blip>
+          <a:srcRect/>
+          <a:stretch>
+            <a:fillRect/>
+          </a:stretch>
+        </p:blipFill>
+        <p:spPr bwMode="auto">
+          <a:xfrm>
+            <a:off x="2297310" y="2048158"/>
+            <a:ext cx="5380494" cy="1960984"/>
+          </a:xfrm>
+          <a:prstGeom prst="rect">
+            <a:avLst/>
+          </a:prstGeom>
+          <a:noFill/>
+          <a:ln>
+            <a:noFill/>
+          </a:ln>
+          <a:effectLst/>
+          <a:extLst>
+            <a:ext uri="{909E8E84-426E-40DD-AFC4-6F175D3DCCD1}">
+              <a14:hiddenFill xmlns:a14="http://schemas.microsoft.com/office/drawing/2010/main" xmlns="">
+                <a:solidFill>
+                  <a:schemeClr val="accent1"/>
+                </a:solidFill>
+              </a14:hiddenFill>
+            </a:ext>
+            <a:ext uri="{91240B29-F687-4F45-9708-019B960494DF}">
+              <a14:hiddenLine xmlns:a14="http://schemas.microsoft.com/office/drawing/2010/main" xmlns="" w="9525">
+                <a:solidFill>
+                  <a:schemeClr val="tx1"/>
+                </a:solidFill>
+                <a:miter lim="800000"/>
+                <a:headEnd/>
+                <a:tailEnd/>
+              </a14:hiddenLine>
+            </a:ext>
+            <a:ext uri="{AF507438-7753-43E0-B8FC-AC1667EBCBE1}">
+              <a14:hiddenEffects xmlns:a14="http://schemas.microsoft.com/office/drawing/2010/main" xmlns="">
+                <a:effectLst>
+                  <a:outerShdw dist="35921" dir="2700000" algn="ctr" rotWithShape="0">
+                    <a:schemeClr val="bg2"/>
+                  </a:outerShdw>
+                </a:effectLst>
+              </a14:hiddenEffects>
+            </a:ext>
+          </a:extLst>
+        </p:spPr>
+      </p:pic>
+      <p:pic>
+        <p:nvPicPr>
+          <p:cNvPr id="7" name="Picture 2"/>
+          <p:cNvPicPr>
+            <a:picLocks noChangeAspect="1" noChangeArrowheads="1"/>
+          </p:cNvPicPr>
+          <p:nvPr/>
+        </p:nvPicPr>
+        <p:blipFill>
+          <a:blip r:embed="rId5" cstate="print">
+            <a:extLst>
+              <a:ext uri="{28A0092B-C50C-407E-A947-70E740481C1C}">
+                <a14:useLocalDpi xmlns:a14="http://schemas.microsoft.com/office/drawing/2010/main" xmlns="" val="0"/>
+              </a:ext>
+            </a:extLst>
+          </a:blip>
+          <a:srcRect/>
+          <a:stretch>
+            <a:fillRect/>
+          </a:stretch>
+        </p:blipFill>
+        <p:spPr bwMode="auto">
+          <a:xfrm>
+            <a:off x="7008198" y="1246883"/>
+            <a:ext cx="1339212" cy="1132302"/>
+          </a:xfrm>
+          <a:prstGeom prst="rect">
+            <a:avLst/>
+          </a:prstGeom>
+          <a:noFill/>
+          <a:ln>
+            <a:noFill/>
+          </a:ln>
+          <a:effectLst/>
+          <a:extLst>
+            <a:ext uri="{909E8E84-426E-40DD-AFC4-6F175D3DCCD1}">
+              <a14:hiddenFill xmlns:a14="http://schemas.microsoft.com/office/drawing/2010/main" xmlns="">
+                <a:solidFill>
+                  <a:schemeClr val="accent1"/>
+                </a:solidFill>
+              </a14:hiddenFill>
+            </a:ext>
+            <a:ext uri="{91240B29-F687-4F45-9708-019B960494DF}">
+              <a14:hiddenLine xmlns:a14="http://schemas.microsoft.com/office/drawing/2010/main" xmlns="" w="9525">
+                <a:solidFill>
+                  <a:schemeClr val="tx1"/>
+                </a:solidFill>
+                <a:miter lim="800000"/>
+                <a:headEnd/>
+                <a:tailEnd/>
+              </a14:hiddenLine>
+            </a:ext>
+            <a:ext uri="{AF507438-7753-43E0-B8FC-AC1667EBCBE1}">
+              <a14:hiddenEffects xmlns:a14="http://schemas.microsoft.com/office/drawing/2010/main" xmlns="">
+                <a:effectLst>
+                  <a:outerShdw dist="35921" dir="2700000" algn="ctr" rotWithShape="0">
+                    <a:schemeClr val="bg2"/>
+                  </a:outerShdw>
+                </a:effectLst>
+              </a14:hiddenEffects>
+            </a:ext>
+          </a:extLst>
+        </p:spPr>
+      </p:pic>
     </p:spTree>
-    <p:extLst>
-      <p:ext uri="{BB962C8B-B14F-4D97-AF65-F5344CB8AC3E}">
-        <p14:creationId xmlns:p14="http://schemas.microsoft.com/office/powerpoint/2010/main" val="2718835750"/>
-      </p:ext>
-    </p:extLst>
   </p:cSld>
   <p:clrMapOvr>
     <a:masterClrMapping/>
@@ -4647,7 +4987,30 @@
           <a:p>
             <a:r>
               <a:rPr lang="fr-FR" dirty="0" smtClean="0"/>
-              <a:t>Prérequis et contact</a:t>
+              <a:t>Modélisation multiphysique</a:t>
+            </a:r>
+            <a:endParaRPr lang="fr-FR" dirty="0"/>
+          </a:p>
+        </p:txBody>
+      </p:sp>
+      <p:sp>
+        <p:nvSpPr>
+          <p:cNvPr id="4" name="Espace réservé du pied de page 3"/>
+          <p:cNvSpPr>
+            <a:spLocks noGrp="1"/>
+          </p:cNvSpPr>
+          <p:nvPr>
+            <p:ph type="ftr" sz="quarter" idx="11"/>
+          </p:nvPr>
+        </p:nvSpPr>
+        <p:spPr/>
+        <p:txBody>
+          <a:bodyPr/>
+          <a:lstStyle/>
+          <a:p>
+            <a:r>
+              <a:rPr lang="fr-FR" dirty="0" smtClean="0"/>
+              <a:t>Académie de Nice - PAF 2015</a:t>
             </a:r>
             <a:endParaRPr lang="fr-FR" dirty="0"/>
           </a:p>
@@ -4665,7 +5028,189 @@
         </p:nvSpPr>
         <p:spPr>
           <a:xfrm>
-            <a:off x="0" y="1600200"/>
+            <a:off x="457199" y="1600200"/>
+            <a:ext cx="8354291" cy="4611414"/>
+          </a:xfrm>
+        </p:spPr>
+        <p:txBody>
+          <a:bodyPr>
+            <a:normAutofit lnSpcReduction="10000"/>
+          </a:bodyPr>
+          <a:lstStyle/>
+          <a:p>
+            <a:r>
+              <a:rPr lang="fr-FR" dirty="0" smtClean="0"/>
+              <a:t>Modélisation multiphysique sur un support commun</a:t>
+            </a:r>
+          </a:p>
+          <a:p>
+            <a:pPr lvl="1"/>
+            <a:r>
+              <a:rPr lang="fr-FR" dirty="0" smtClean="0"/>
+              <a:t>Dans ce volet de la formation nous proposons aux participants de réaliser un modèle multiphysique en autonomie à partir d’un système de </a:t>
+            </a:r>
+            <a:r>
+              <a:rPr lang="fr-FR" dirty="0" smtClean="0"/>
+              <a:t>TP, d’un </a:t>
+            </a:r>
+            <a:r>
+              <a:rPr lang="fr-FR" dirty="0" smtClean="0"/>
+              <a:t>sujet </a:t>
+            </a:r>
+            <a:r>
+              <a:rPr lang="fr-FR" dirty="0" smtClean="0"/>
+              <a:t>d’examen </a:t>
+            </a:r>
+            <a:r>
+              <a:rPr lang="fr-FR" dirty="0" smtClean="0"/>
+              <a:t>ou de concours.</a:t>
+            </a:r>
+          </a:p>
+          <a:p>
+            <a:r>
+              <a:rPr lang="fr-FR" dirty="0" smtClean="0"/>
+              <a:t>Modélisation multiphysique sur un support personnel</a:t>
+            </a:r>
+          </a:p>
+          <a:p>
+            <a:pPr lvl="1"/>
+            <a:r>
+              <a:rPr lang="fr-FR" dirty="0" smtClean="0"/>
+              <a:t>Dans ce volet, nous proposons aux participants de créer un TP ou un TD s’appuyant sur </a:t>
+            </a:r>
+            <a:r>
+              <a:rPr lang="fr-FR" dirty="0" smtClean="0"/>
+              <a:t>le logiciel </a:t>
+            </a:r>
+            <a:r>
+              <a:rPr lang="fr-FR" dirty="0" err="1" smtClean="0"/>
+              <a:t>Scilab</a:t>
+            </a:r>
+            <a:r>
+              <a:rPr lang="fr-FR" dirty="0" smtClean="0"/>
+              <a:t> / </a:t>
+            </a:r>
+            <a:r>
+              <a:rPr lang="fr-FR" dirty="0" err="1" smtClean="0"/>
+              <a:t>Xcos</a:t>
+            </a:r>
+            <a:r>
+              <a:rPr lang="fr-FR" dirty="0" smtClean="0"/>
+              <a:t>. </a:t>
+            </a:r>
+            <a:endParaRPr lang="fr-FR" dirty="0" smtClean="0"/>
+          </a:p>
+          <a:p>
+            <a:pPr lvl="1"/>
+            <a:r>
+              <a:rPr lang="fr-FR" dirty="0" smtClean="0"/>
+              <a:t>Des dossiers techniques seront mis à la disposition des participants par les formateurs. </a:t>
+            </a:r>
+          </a:p>
+          <a:p>
+            <a:pPr lvl="1"/>
+            <a:r>
+              <a:rPr lang="fr-FR" dirty="0" smtClean="0"/>
+              <a:t>Les participants peuvent apporter leurs </a:t>
+            </a:r>
+            <a:r>
+              <a:rPr lang="fr-FR" dirty="0" smtClean="0"/>
+              <a:t>propres </a:t>
+            </a:r>
+            <a:r>
+              <a:rPr lang="fr-FR" dirty="0" smtClean="0"/>
+              <a:t>documents afin de développer </a:t>
+            </a:r>
+            <a:r>
+              <a:rPr lang="fr-FR" dirty="0" smtClean="0"/>
+              <a:t>leurs propres </a:t>
+            </a:r>
+            <a:r>
+              <a:rPr lang="fr-FR" dirty="0" smtClean="0"/>
+              <a:t>modèles.</a:t>
+            </a:r>
+          </a:p>
+          <a:p>
+            <a:r>
+              <a:rPr lang="fr-FR" dirty="0" smtClean="0"/>
+              <a:t>Le multiphysique au long de la formation</a:t>
+            </a:r>
+          </a:p>
+          <a:p>
+            <a:pPr lvl="1"/>
+            <a:r>
+              <a:rPr lang="fr-FR" dirty="0" smtClean="0"/>
+              <a:t>Une réflexion sera menée sur l’utilisation de logiciels multiphysiques tout au long de la formation. </a:t>
+            </a:r>
+          </a:p>
+        </p:txBody>
+      </p:sp>
+    </p:spTree>
+    <p:extLst>
+      <p:ext uri="{BB962C8B-B14F-4D97-AF65-F5344CB8AC3E}">
+        <p14:creationId xmlns:p14="http://schemas.microsoft.com/office/powerpoint/2010/main" xmlns="" val="2718835750"/>
+      </p:ext>
+    </p:extLst>
+  </p:cSld>
+  <p:clrMapOvr>
+    <a:masterClrMapping/>
+  </p:clrMapOvr>
+</p:sld>
+</file>
+
+<file path=ppt/slides/slide4.xml><?xml version="1.0" encoding="utf-8"?>
+<p:sld xmlns:a="http://schemas.openxmlformats.org/drawingml/2006/main" xmlns:r="http://schemas.openxmlformats.org/officeDocument/2006/relationships" xmlns:p="http://schemas.openxmlformats.org/presentationml/2006/main">
+  <p:cSld>
+    <p:spTree>
+      <p:nvGrpSpPr>
+        <p:cNvPr id="1" name=""/>
+        <p:cNvGrpSpPr/>
+        <p:nvPr/>
+      </p:nvGrpSpPr>
+      <p:grpSpPr>
+        <a:xfrm>
+          <a:off x="0" y="0"/>
+          <a:ext cx="0" cy="0"/>
+          <a:chOff x="0" y="0"/>
+          <a:chExt cx="0" cy="0"/>
+        </a:xfrm>
+      </p:grpSpPr>
+      <p:sp>
+        <p:nvSpPr>
+          <p:cNvPr id="2" name="Titre 1"/>
+          <p:cNvSpPr>
+            <a:spLocks noGrp="1"/>
+          </p:cNvSpPr>
+          <p:nvPr>
+            <p:ph type="title"/>
+          </p:nvPr>
+        </p:nvSpPr>
+        <p:spPr/>
+        <p:txBody>
+          <a:bodyPr/>
+          <a:lstStyle/>
+          <a:p>
+            <a:r>
+              <a:rPr lang="fr-FR" dirty="0" smtClean="0"/>
+              <a:t>Prérequis et contact</a:t>
+            </a:r>
+            <a:endParaRPr lang="fr-FR" dirty="0"/>
+          </a:p>
+        </p:txBody>
+      </p:sp>
+      <p:sp>
+        <p:nvSpPr>
+          <p:cNvPr id="3" name="Espace réservé du contenu 2"/>
+          <p:cNvSpPr>
+            <a:spLocks noGrp="1"/>
+          </p:cNvSpPr>
+          <p:nvPr>
+            <p:ph idx="1"/>
+          </p:nvPr>
+        </p:nvSpPr>
+        <p:spPr>
+          <a:xfrm>
+            <a:off x="189192" y="1600200"/>
             <a:ext cx="8858992" cy="4876800"/>
           </a:xfrm>
         </p:spPr>
@@ -4684,18 +5229,42 @@
             <a:pPr lvl="1"/>
             <a:r>
               <a:rPr lang="fr-FR" dirty="0" smtClean="0"/>
-              <a:t>Le suivi de la formation SCIL1 ou une maîtrise de l’environnement XCOS est demandée</a:t>
-            </a:r>
-            <a:endParaRPr lang="fr-FR" dirty="0" smtClean="0"/>
-          </a:p>
-          <a:p>
+              <a:t>Le suivi de la formation SCIL1 ou une maîtrise de l’environnement </a:t>
+            </a:r>
+            <a:r>
+              <a:rPr lang="fr-FR" dirty="0" err="1" smtClean="0"/>
+              <a:t>Xcos</a:t>
+            </a:r>
             <a:r>
               <a:rPr lang="fr-FR" dirty="0" smtClean="0"/>
-              <a:t>Besoins logiciels </a:t>
-            </a:r>
+              <a:t> </a:t>
+            </a:r>
+            <a:r>
+              <a:rPr lang="fr-FR" dirty="0" smtClean="0"/>
+              <a:t>est demandée</a:t>
+            </a:r>
+          </a:p>
+          <a:p>
+            <a:r>
+              <a:rPr lang="fr-FR" dirty="0" smtClean="0"/>
+              <a:t>Besoins </a:t>
+            </a:r>
+            <a:r>
+              <a:rPr lang="fr-FR" dirty="0" smtClean="0"/>
+              <a:t>logiciels</a:t>
+            </a:r>
+          </a:p>
+          <a:p>
+            <a:pPr>
+              <a:buNone/>
+            </a:pPr>
             <a:r>
               <a:rPr lang="fr-FR" sz="1600" b="1" dirty="0" smtClean="0"/>
-              <a:t>(dans le cas où le professeur voudrait assister à la formation avec son ordinateur personnel)</a:t>
+              <a:t>(dans </a:t>
+            </a:r>
+            <a:r>
+              <a:rPr lang="fr-FR" sz="1600" b="1" dirty="0" smtClean="0"/>
+              <a:t>le cas où le professeur voudrait assister à la formation avec son ordinateur personnel)</a:t>
             </a:r>
             <a:endParaRPr lang="fr-FR" b="1" dirty="0" smtClean="0"/>
           </a:p>
@@ -4710,22 +5279,19 @@
             <a:pPr lvl="3"/>
             <a:r>
               <a:rPr lang="fr-FR" dirty="0" smtClean="0"/>
-              <a:t>Module XCOS</a:t>
-            </a:r>
+              <a:t>Module </a:t>
+            </a:r>
+            <a:r>
+              <a:rPr lang="fr-FR" dirty="0" err="1" smtClean="0"/>
+              <a:t>Xcos</a:t>
+            </a:r>
+            <a:endParaRPr lang="fr-FR" dirty="0" smtClean="0"/>
           </a:p>
           <a:p>
             <a:pPr lvl="3"/>
             <a:r>
               <a:rPr lang="fr-FR" dirty="0" smtClean="0"/>
-              <a:t>Compilateur C (installable avec </a:t>
-            </a:r>
-            <a:r>
-              <a:rPr lang="fr-FR" dirty="0" err="1" smtClean="0"/>
-              <a:t>xcos</a:t>
-            </a:r>
-            <a:r>
-              <a:rPr lang="fr-FR" dirty="0" smtClean="0"/>
-              <a:t> sur les ordinateurs en 32 bits)</a:t>
+              <a:t>Compilateur C </a:t>
             </a:r>
           </a:p>
           <a:p>
@@ -4736,16 +5302,13 @@
             </a:r>
           </a:p>
           <a:p>
-            <a:pPr lvl="3"/>
-            <a:r>
-              <a:rPr lang="fr-FR" dirty="0" smtClean="0"/>
-              <a:t>Pour vérifier que l’installation est fonctionnelle, s’adresser aux formateurs avant la formation</a:t>
-            </a:r>
-            <a:r>
-              <a:rPr lang="fr-FR" dirty="0" smtClean="0"/>
-              <a:t>.</a:t>
-            </a:r>
-            <a:endParaRPr lang="fr-FR" dirty="0" smtClean="0"/>
+            <a:pPr lvl="3">
+              <a:buNone/>
+            </a:pPr>
+            <a:r>
+              <a:rPr lang="fr-FR" b="1" dirty="0" smtClean="0"/>
+              <a:t>Pour vérifier que l’installation est fonctionnelle, s’adresser aux formateurs avant la formation.</a:t>
+            </a:r>
           </a:p>
           <a:p>
             <a:r>
@@ -4765,7 +5328,6 @@
               <a:rPr lang="fr-FR" dirty="0" smtClean="0"/>
               <a:t>Contacts</a:t>
             </a:r>
-            <a:endParaRPr lang="fr-FR" dirty="0" smtClean="0"/>
           </a:p>
           <a:p>
             <a:pPr lvl="2"/>
@@ -4833,7 +5395,7 @@
     </p:spTree>
     <p:extLst>
       <p:ext uri="{BB962C8B-B14F-4D97-AF65-F5344CB8AC3E}">
-        <p14:creationId xmlns:p14="http://schemas.microsoft.com/office/powerpoint/2010/main" val="2248875390"/>
+        <p14:creationId xmlns:p14="http://schemas.microsoft.com/office/powerpoint/2010/main" xmlns="" val="2248875390"/>
       </p:ext>
     </p:extLst>
   </p:cSld>

--- a/01_ModelisationMultiphysique/Administratif/SCIL2_PPT.pptx
+++ b/01_ModelisationMultiphysique/Administratif/SCIL2_PPT.pptx
@@ -199,7 +199,7 @@
             <a:fld id="{A2604479-CBC5-3546-8A0D-DC7D3BA30544}" type="datetimeFigureOut">
               <a:rPr lang="fr-FR" smtClean="0"/>
               <a:pPr/>
-              <a:t>06/12/2014</a:t>
+              <a:t>17/12/2014</a:t>
             </a:fld>
             <a:endParaRPr lang="fr-FR"/>
           </a:p>
@@ -275,7 +275,7 @@
     </p:spTree>
     <p:extLst>
       <p:ext uri="{BB962C8B-B14F-4D97-AF65-F5344CB8AC3E}">
-        <p14:creationId xmlns:p14="http://schemas.microsoft.com/office/powerpoint/2010/main" xmlns="" val="3414476341"/>
+        <p14:creationId xmlns:p14="http://schemas.microsoft.com/office/powerpoint/2010/main" val="3414476341"/>
       </p:ext>
     </p:extLst>
   </p:cSld>
@@ -367,7 +367,7 @@
             <a:fld id="{7F4FFA02-BD9A-5445-8E51-E6D5A4E1DD4B}" type="datetimeFigureOut">
               <a:rPr lang="fr-FR" smtClean="0"/>
               <a:pPr/>
-              <a:t>06/12/2014</a:t>
+              <a:t>17/12/2014</a:t>
             </a:fld>
             <a:endParaRPr lang="fr-FR"/>
           </a:p>
@@ -536,7 +536,7 @@
     </p:spTree>
     <p:extLst>
       <p:ext uri="{BB962C8B-B14F-4D97-AF65-F5344CB8AC3E}">
-        <p14:creationId xmlns:p14="http://schemas.microsoft.com/office/powerpoint/2010/main" xmlns="" val="401334093"/>
+        <p14:creationId xmlns:p14="http://schemas.microsoft.com/office/powerpoint/2010/main" val="401334093"/>
       </p:ext>
     </p:extLst>
   </p:cSld>
@@ -687,15 +687,7 @@
             </a:r>
             <a:r>
               <a:rPr lang="fr-FR" baseline="0" dirty="0" smtClean="0"/>
-              <a:t> formation d’une journée propose de réaliser des modèles </a:t>
-            </a:r>
-            <a:r>
-              <a:rPr lang="fr-FR" baseline="0" dirty="0" smtClean="0"/>
-              <a:t>multiphysiques en </a:t>
-            </a:r>
-            <a:r>
-              <a:rPr lang="fr-FR" baseline="0" dirty="0" smtClean="0"/>
-              <a:t>s’appuyant sur le logiciel </a:t>
+              <a:t> formation d’une journée propose de réaliser des modèles multiphysiques en s’appuyant sur le logiciel </a:t>
             </a:r>
             <a:r>
               <a:rPr lang="fr-FR" baseline="0" dirty="0" err="1" smtClean="0"/>
@@ -703,15 +695,7 @@
             </a:r>
             <a:r>
               <a:rPr lang="fr-FR" baseline="0" dirty="0" smtClean="0"/>
-              <a:t> </a:t>
-            </a:r>
-            <a:r>
-              <a:rPr lang="fr-FR" baseline="0" dirty="0" smtClean="0"/>
-              <a:t>et </a:t>
-            </a:r>
-            <a:r>
-              <a:rPr lang="fr-FR" baseline="0" dirty="0" smtClean="0"/>
-              <a:t>son module </a:t>
+              <a:t> et son module </a:t>
             </a:r>
             <a:r>
               <a:rPr lang="fr-FR" baseline="0" dirty="0" err="1" smtClean="0"/>
@@ -754,7 +738,7 @@
     </p:spTree>
     <p:extLst>
       <p:ext uri="{BB962C8B-B14F-4D97-AF65-F5344CB8AC3E}">
-        <p14:creationId xmlns:p14="http://schemas.microsoft.com/office/powerpoint/2010/main" xmlns="" val="2560094274"/>
+        <p14:creationId xmlns:p14="http://schemas.microsoft.com/office/powerpoint/2010/main" val="2560094274"/>
       </p:ext>
     </p:extLst>
   </p:cSld>
@@ -947,7 +931,7 @@
     </p:spTree>
     <p:extLst>
       <p:ext uri="{BB962C8B-B14F-4D97-AF65-F5344CB8AC3E}">
-        <p14:creationId xmlns:p14="http://schemas.microsoft.com/office/powerpoint/2010/main" xmlns="" val="1028214212"/>
+        <p14:creationId xmlns:p14="http://schemas.microsoft.com/office/powerpoint/2010/main" val="1028214212"/>
       </p:ext>
     </p:extLst>
   </p:cSld>
@@ -1021,19 +1005,7 @@
             </a:r>
             <a:r>
               <a:rPr lang="fr-FR" baseline="0" dirty="0" smtClean="0"/>
-              <a:t> </a:t>
-            </a:r>
-            <a:r>
-              <a:rPr lang="fr-FR" baseline="0" dirty="0" smtClean="0"/>
-              <a:t>à partir d’un schéma </a:t>
-            </a:r>
-            <a:r>
-              <a:rPr lang="fr-FR" baseline="0" dirty="0" smtClean="0"/>
-              <a:t>fourni, </a:t>
-            </a:r>
-            <a:r>
-              <a:rPr lang="fr-FR" baseline="0" dirty="0" smtClean="0"/>
-              <a:t>et sachent lancer une simulation. </a:t>
+              <a:t> à partir d’un schéma fourni, et sachent lancer une simulation. </a:t>
             </a:r>
           </a:p>
           <a:p>
@@ -1083,7 +1055,7 @@
     </p:spTree>
     <p:extLst>
       <p:ext uri="{BB962C8B-B14F-4D97-AF65-F5344CB8AC3E}">
-        <p14:creationId xmlns:p14="http://schemas.microsoft.com/office/powerpoint/2010/main" xmlns="" val="1495809067"/>
+        <p14:creationId xmlns:p14="http://schemas.microsoft.com/office/powerpoint/2010/main" val="1495809067"/>
       </p:ext>
     </p:extLst>
   </p:cSld>
@@ -1282,7 +1254,7 @@
             <a:fld id="{6709E43B-9441-6341-BD63-84DDA1A9C3FB}" type="datetime1">
               <a:rPr lang="fr-FR" smtClean="0"/>
               <a:pPr/>
-              <a:t>06/12/2014</a:t>
+              <a:t>17/12/2014</a:t>
             </a:fld>
             <a:endParaRPr lang="fr-FR"/>
           </a:p>
@@ -1488,7 +1460,7 @@
             <a:fld id="{268AA955-8B04-894F-8FDF-A5E12E980EDC}" type="datetime1">
               <a:rPr lang="fr-FR" smtClean="0"/>
               <a:pPr/>
-              <a:t>06/12/2014</a:t>
+              <a:t>17/12/2014</a:t>
             </a:fld>
             <a:endParaRPr lang="fr-FR"/>
           </a:p>
@@ -1669,7 +1641,7 @@
             <a:fld id="{FDC97532-5F56-764F-9C75-F53758D5A21E}" type="datetime1">
               <a:rPr lang="fr-FR" smtClean="0"/>
               <a:pPr/>
-              <a:t>06/12/2014</a:t>
+              <a:t>17/12/2014</a:t>
             </a:fld>
             <a:endParaRPr lang="fr-FR"/>
           </a:p>
@@ -1866,7 +1838,7 @@
             <a:fld id="{EC050341-9FD1-4D41-897E-C16A13D412D6}" type="datetime1">
               <a:rPr lang="fr-FR" smtClean="0"/>
               <a:pPr/>
-              <a:t>06/12/2014</a:t>
+              <a:t>17/12/2014</a:t>
             </a:fld>
             <a:endParaRPr lang="fr-FR"/>
           </a:p>
@@ -2127,7 +2099,7 @@
             <a:fld id="{267F1CD6-E1AD-4847-B8D2-9BC7541D26A9}" type="datetime1">
               <a:rPr lang="fr-FR" smtClean="0"/>
               <a:pPr/>
-              <a:t>06/12/2014</a:t>
+              <a:t>17/12/2014</a:t>
             </a:fld>
             <a:endParaRPr lang="fr-FR"/>
           </a:p>
@@ -2451,7 +2423,7 @@
             <a:fld id="{377C4889-60B5-CD4F-97E2-5B317AA429BB}" type="datetime1">
               <a:rPr lang="fr-FR" smtClean="0"/>
               <a:pPr/>
-              <a:t>06/12/2014</a:t>
+              <a:t>17/12/2014</a:t>
             </a:fld>
             <a:endParaRPr lang="fr-FR"/>
           </a:p>
@@ -2923,7 +2895,7 @@
             <a:fld id="{0FA1CA9B-4F70-864C-920B-92AD8DFE7583}" type="datetime1">
               <a:rPr lang="fr-FR" smtClean="0"/>
               <a:pPr/>
-              <a:t>06/12/2014</a:t>
+              <a:t>17/12/2014</a:t>
             </a:fld>
             <a:endParaRPr lang="fr-FR"/>
           </a:p>
@@ -3077,7 +3049,7 @@
             <a:fld id="{4F2CC383-4EE0-2241-AEE6-2AAA6580B403}" type="datetime1">
               <a:rPr lang="fr-FR" smtClean="0"/>
               <a:pPr/>
-              <a:t>06/12/2014</a:t>
+              <a:t>17/12/2014</a:t>
             </a:fld>
             <a:endParaRPr lang="fr-FR"/>
           </a:p>
@@ -3173,7 +3145,7 @@
             <a:fld id="{3F29AFFA-2E38-E240-9E76-4B3B98489A6D}" type="datetime1">
               <a:rPr lang="fr-FR" smtClean="0"/>
               <a:pPr/>
-              <a:t>06/12/2014</a:t>
+              <a:t>17/12/2014</a:t>
             </a:fld>
             <a:endParaRPr lang="fr-FR"/>
           </a:p>
@@ -3453,7 +3425,7 @@
             <a:fld id="{BC66C2F2-1133-B742-8E81-ACE648734598}" type="datetime1">
               <a:rPr lang="fr-FR" smtClean="0"/>
               <a:pPr/>
-              <a:t>06/12/2014</a:t>
+              <a:t>17/12/2014</a:t>
             </a:fld>
             <a:endParaRPr lang="fr-FR"/>
           </a:p>
@@ -3764,7 +3736,7 @@
             <a:fld id="{7312FBEE-7E81-E746-8617-1B9234528FDD}" type="datetime1">
               <a:rPr lang="fr-FR" smtClean="0"/>
               <a:pPr/>
-              <a:t>06/12/2014</a:t>
+              <a:t>17/12/2014</a:t>
             </a:fld>
             <a:endParaRPr lang="fr-FR"/>
           </a:p>
@@ -4068,7 +4040,7 @@
             <a:fld id="{B90A4B7D-106F-C147-BCBF-57A394B22041}" type="datetime1">
               <a:rPr lang="fr-FR" smtClean="0"/>
               <a:pPr/>
-              <a:t>06/12/2014</a:t>
+              <a:t>17/12/2014</a:t>
             </a:fld>
             <a:endParaRPr lang="fr-FR"/>
           </a:p>
@@ -4545,7 +4517,6 @@
               <a:rPr lang="fr-FR" dirty="0" smtClean="0"/>
               <a:t>Approche causale et acausale</a:t>
             </a:r>
-            <a:endParaRPr lang="fr-FR" dirty="0" smtClean="0"/>
           </a:p>
           <a:p>
             <a:endParaRPr lang="fr-FR" dirty="0"/>
@@ -4605,18 +4576,18 @@
     </p:spTree>
     <p:extLst>
       <p:ext uri="{BB962C8B-B14F-4D97-AF65-F5344CB8AC3E}">
-        <p14:creationId xmlns:p14="http://schemas.microsoft.com/office/powerpoint/2010/main" xmlns="" val="3037635492"/>
+        <p14:creationId xmlns:p14="http://schemas.microsoft.com/office/powerpoint/2010/main" val="3037635492"/>
       </p:ext>
     </p:extLst>
   </p:cSld>
   <p:clrMapOvr>
     <a:masterClrMapping/>
   </p:clrMapOvr>
-  <mc:AlternateContent xmlns:mc="http://schemas.openxmlformats.org/markup-compatibility/2006">
-    <mc:Choice xmlns:p14="http://schemas.microsoft.com/office/powerpoint/2010/main" xmlns="" Requires="p14">
+  <mc:AlternateContent xmlns:mc="http://schemas.openxmlformats.org/markup-compatibility/2006" xmlns:p14="http://schemas.microsoft.com/office/powerpoint/2010/main">
+    <mc:Choice Requires="p14">
       <p:transition spd="slow" p14:dur="2000"/>
     </mc:Choice>
-    <mc:Fallback>
+    <mc:Fallback xmlns="">
       <p:transition spd="slow"/>
     </mc:Fallback>
   </mc:AlternateContent>
@@ -4769,7 +4740,7 @@
           <a:blip r:embed="rId3">
             <a:extLst>
               <a:ext uri="{28A0092B-C50C-407E-A947-70E740481C1C}">
-                <a14:useLocalDpi xmlns:a14="http://schemas.microsoft.com/office/drawing/2010/main" xmlns="" val="0"/>
+                <a14:useLocalDpi xmlns:a14="http://schemas.microsoft.com/office/drawing/2010/main" val="0"/>
               </a:ext>
             </a:extLst>
           </a:blip>
@@ -4798,14 +4769,14 @@
           </a:effectLst>
           <a:extLst>
             <a:ext uri="{909E8E84-426E-40DD-AFC4-6F175D3DCCD1}">
-              <a14:hiddenFill xmlns:a14="http://schemas.microsoft.com/office/drawing/2010/main" xmlns="">
+              <a14:hiddenFill xmlns:a14="http://schemas.microsoft.com/office/drawing/2010/main">
                 <a:solidFill>
                   <a:schemeClr val="accent1"/>
                 </a:solidFill>
               </a14:hiddenFill>
             </a:ext>
             <a:ext uri="{91240B29-F687-4F45-9708-019B960494DF}">
-              <a14:hiddenLine xmlns:a14="http://schemas.microsoft.com/office/drawing/2010/main" xmlns="" w="9525">
+              <a14:hiddenLine xmlns:a14="http://schemas.microsoft.com/office/drawing/2010/main" w="9525">
                 <a:solidFill>
                   <a:schemeClr val="tx1"/>
                 </a:solidFill>
@@ -4829,7 +4800,7 @@
           <a:blip r:embed="rId4">
             <a:extLst>
               <a:ext uri="{28A0092B-C50C-407E-A947-70E740481C1C}">
-                <a14:useLocalDpi xmlns:a14="http://schemas.microsoft.com/office/drawing/2010/main" xmlns="" val="0"/>
+                <a14:useLocalDpi xmlns:a14="http://schemas.microsoft.com/office/drawing/2010/main" val="0"/>
               </a:ext>
             </a:extLst>
           </a:blip>
@@ -4853,14 +4824,14 @@
           <a:effectLst/>
           <a:extLst>
             <a:ext uri="{909E8E84-426E-40DD-AFC4-6F175D3DCCD1}">
-              <a14:hiddenFill xmlns:a14="http://schemas.microsoft.com/office/drawing/2010/main" xmlns="">
+              <a14:hiddenFill xmlns:a14="http://schemas.microsoft.com/office/drawing/2010/main">
                 <a:solidFill>
                   <a:schemeClr val="accent1"/>
                 </a:solidFill>
               </a14:hiddenFill>
             </a:ext>
             <a:ext uri="{91240B29-F687-4F45-9708-019B960494DF}">
-              <a14:hiddenLine xmlns:a14="http://schemas.microsoft.com/office/drawing/2010/main" xmlns="" w="9525">
+              <a14:hiddenLine xmlns:a14="http://schemas.microsoft.com/office/drawing/2010/main" w="9525">
                 <a:solidFill>
                   <a:schemeClr val="tx1"/>
                 </a:solidFill>
@@ -4870,7 +4841,7 @@
               </a14:hiddenLine>
             </a:ext>
             <a:ext uri="{AF507438-7753-43E0-B8FC-AC1667EBCBE1}">
-              <a14:hiddenEffects xmlns:a14="http://schemas.microsoft.com/office/drawing/2010/main" xmlns="">
+              <a14:hiddenEffects xmlns:a14="http://schemas.microsoft.com/office/drawing/2010/main">
                 <a:effectLst>
                   <a:outerShdw dist="35921" dir="2700000" algn="ctr" rotWithShape="0">
                     <a:schemeClr val="bg2"/>
@@ -4893,7 +4864,7 @@
           <a:blip r:embed="rId5" cstate="print">
             <a:extLst>
               <a:ext uri="{28A0092B-C50C-407E-A947-70E740481C1C}">
-                <a14:useLocalDpi xmlns:a14="http://schemas.microsoft.com/office/drawing/2010/main" xmlns="" val="0"/>
+                <a14:useLocalDpi xmlns:a14="http://schemas.microsoft.com/office/drawing/2010/main" val="0"/>
               </a:ext>
             </a:extLst>
           </a:blip>
@@ -4917,14 +4888,14 @@
           <a:effectLst/>
           <a:extLst>
             <a:ext uri="{909E8E84-426E-40DD-AFC4-6F175D3DCCD1}">
-              <a14:hiddenFill xmlns:a14="http://schemas.microsoft.com/office/drawing/2010/main" xmlns="">
+              <a14:hiddenFill xmlns:a14="http://schemas.microsoft.com/office/drawing/2010/main">
                 <a:solidFill>
                   <a:schemeClr val="accent1"/>
                 </a:solidFill>
               </a14:hiddenFill>
             </a:ext>
             <a:ext uri="{91240B29-F687-4F45-9708-019B960494DF}">
-              <a14:hiddenLine xmlns:a14="http://schemas.microsoft.com/office/drawing/2010/main" xmlns="" w="9525">
+              <a14:hiddenLine xmlns:a14="http://schemas.microsoft.com/office/drawing/2010/main" w="9525">
                 <a:solidFill>
                   <a:schemeClr val="tx1"/>
                 </a:solidFill>
@@ -4934,7 +4905,7 @@
               </a14:hiddenLine>
             </a:ext>
             <a:ext uri="{AF507438-7753-43E0-B8FC-AC1667EBCBE1}">
-              <a14:hiddenEffects xmlns:a14="http://schemas.microsoft.com/office/drawing/2010/main" xmlns="">
+              <a14:hiddenEffects xmlns:a14="http://schemas.microsoft.com/office/drawing/2010/main">
                 <a:effectLst>
                   <a:outerShdw dist="35921" dir="2700000" algn="ctr" rotWithShape="0">
                     <a:schemeClr val="bg2"/>
@@ -5047,23 +5018,7 @@
             <a:pPr lvl="1"/>
             <a:r>
               <a:rPr lang="fr-FR" dirty="0" smtClean="0"/>
-              <a:t>Dans ce volet de la formation nous proposons aux participants de réaliser un modèle multiphysique en autonomie à partir d’un système de </a:t>
-            </a:r>
-            <a:r>
-              <a:rPr lang="fr-FR" dirty="0" smtClean="0"/>
-              <a:t>TP, d’un </a:t>
-            </a:r>
-            <a:r>
-              <a:rPr lang="fr-FR" dirty="0" smtClean="0"/>
-              <a:t>sujet </a:t>
-            </a:r>
-            <a:r>
-              <a:rPr lang="fr-FR" dirty="0" smtClean="0"/>
-              <a:t>d’examen </a:t>
-            </a:r>
-            <a:r>
-              <a:rPr lang="fr-FR" dirty="0" smtClean="0"/>
-              <a:t>ou de concours.</a:t>
+              <a:t>Dans ce volet de la formation nous proposons aux participants de réaliser un modèle multiphysique en autonomie à partir d’un système de TP, d’un sujet d’examen ou de concours.</a:t>
             </a:r>
           </a:p>
           <a:p>
@@ -5076,11 +5031,7 @@
             <a:pPr lvl="1"/>
             <a:r>
               <a:rPr lang="fr-FR" dirty="0" smtClean="0"/>
-              <a:t>Dans ce volet, nous proposons aux participants de créer un TP ou un TD s’appuyant sur </a:t>
-            </a:r>
-            <a:r>
-              <a:rPr lang="fr-FR" dirty="0" smtClean="0"/>
-              <a:t>le logiciel </a:t>
+              <a:t>Dans ce volet, nous proposons aux participants de créer un TP ou un TD s’appuyant sur le logiciel </a:t>
             </a:r>
             <a:r>
               <a:rPr lang="fr-FR" dirty="0" err="1" smtClean="0"/>
@@ -5098,7 +5049,6 @@
               <a:rPr lang="fr-FR" dirty="0" smtClean="0"/>
               <a:t>. </a:t>
             </a:r>
-            <a:endParaRPr lang="fr-FR" dirty="0" smtClean="0"/>
           </a:p>
           <a:p>
             <a:pPr lvl="1"/>
@@ -5111,23 +5061,7 @@
             <a:pPr lvl="1"/>
             <a:r>
               <a:rPr lang="fr-FR" dirty="0" smtClean="0"/>
-              <a:t>Les participants peuvent apporter leurs </a:t>
-            </a:r>
-            <a:r>
-              <a:rPr lang="fr-FR" dirty="0" smtClean="0"/>
-              <a:t>propres </a:t>
-            </a:r>
-            <a:r>
-              <a:rPr lang="fr-FR" dirty="0" smtClean="0"/>
-              <a:t>documents afin de développer </a:t>
-            </a:r>
-            <a:r>
-              <a:rPr lang="fr-FR" dirty="0" smtClean="0"/>
-              <a:t>leurs propres </a:t>
-            </a:r>
-            <a:r>
-              <a:rPr lang="fr-FR" dirty="0" smtClean="0"/>
-              <a:t>modèles.</a:t>
+              <a:t>Les participants peuvent apporter leurs propres documents afin de développer leurs propres modèles.</a:t>
             </a:r>
           </a:p>
           <a:p>
@@ -5148,7 +5082,7 @@
     </p:spTree>
     <p:extLst>
       <p:ext uri="{BB962C8B-B14F-4D97-AF65-F5344CB8AC3E}">
-        <p14:creationId xmlns:p14="http://schemas.microsoft.com/office/powerpoint/2010/main" xmlns="" val="2718835750"/>
+        <p14:creationId xmlns:p14="http://schemas.microsoft.com/office/powerpoint/2010/main" val="2718835750"/>
       </p:ext>
     </p:extLst>
   </p:cSld>
@@ -5237,21 +5171,13 @@
             </a:r>
             <a:r>
               <a:rPr lang="fr-FR" dirty="0" smtClean="0"/>
-              <a:t> </a:t>
-            </a:r>
+              <a:t> est demandée</a:t>
+            </a:r>
+          </a:p>
+          <a:p>
             <a:r>
               <a:rPr lang="fr-FR" dirty="0" smtClean="0"/>
-              <a:t>est demandée</a:t>
-            </a:r>
-          </a:p>
-          <a:p>
-            <a:r>
-              <a:rPr lang="fr-FR" dirty="0" smtClean="0"/>
-              <a:t>Besoins </a:t>
-            </a:r>
-            <a:r>
-              <a:rPr lang="fr-FR" dirty="0" smtClean="0"/>
-              <a:t>logiciels</a:t>
+              <a:t>Besoins logiciels</a:t>
             </a:r>
           </a:p>
           <a:p>
@@ -5260,11 +5186,7 @@
             </a:pPr>
             <a:r>
               <a:rPr lang="fr-FR" sz="1600" b="1" dirty="0" smtClean="0"/>
-              <a:t>(dans </a:t>
-            </a:r>
-            <a:r>
-              <a:rPr lang="fr-FR" sz="1600" b="1" dirty="0" smtClean="0"/>
-              <a:t>le cas où le professeur voudrait assister à la formation avec son ordinateur personnel)</a:t>
+              <a:t>(dans le cas où le professeur voudrait assister à la formation avec son ordinateur personnel)</a:t>
             </a:r>
             <a:endParaRPr lang="fr-FR" b="1" dirty="0" smtClean="0"/>
           </a:p>
@@ -5395,7 +5317,7 @@
     </p:spTree>
     <p:extLst>
       <p:ext uri="{BB962C8B-B14F-4D97-AF65-F5344CB8AC3E}">
-        <p14:creationId xmlns:p14="http://schemas.microsoft.com/office/powerpoint/2010/main" xmlns="" val="2248875390"/>
+        <p14:creationId xmlns:p14="http://schemas.microsoft.com/office/powerpoint/2010/main" val="2248875390"/>
       </p:ext>
     </p:extLst>
   </p:cSld>

--- a/01_ModelisationMultiphysique/Administratif/SCIL2_PPT.pptx
+++ b/01_ModelisationMultiphysique/Administratif/SCIL2_PPT.pptx
@@ -199,7 +199,7 @@
             <a:fld id="{A2604479-CBC5-3546-8A0D-DC7D3BA30544}" type="datetimeFigureOut">
               <a:rPr lang="fr-FR" smtClean="0"/>
               <a:pPr/>
-              <a:t>17/12/2014</a:t>
+              <a:t>06/12/2014</a:t>
             </a:fld>
             <a:endParaRPr lang="fr-FR"/>
           </a:p>
@@ -275,7 +275,7 @@
     </p:spTree>
     <p:extLst>
       <p:ext uri="{BB962C8B-B14F-4D97-AF65-F5344CB8AC3E}">
-        <p14:creationId xmlns:p14="http://schemas.microsoft.com/office/powerpoint/2010/main" val="3414476341"/>
+        <p14:creationId xmlns:p14="http://schemas.microsoft.com/office/powerpoint/2010/main" xmlns="" val="3414476341"/>
       </p:ext>
     </p:extLst>
   </p:cSld>
@@ -367,7 +367,7 @@
             <a:fld id="{7F4FFA02-BD9A-5445-8E51-E6D5A4E1DD4B}" type="datetimeFigureOut">
               <a:rPr lang="fr-FR" smtClean="0"/>
               <a:pPr/>
-              <a:t>17/12/2014</a:t>
+              <a:t>06/12/2014</a:t>
             </a:fld>
             <a:endParaRPr lang="fr-FR"/>
           </a:p>
@@ -536,7 +536,7 @@
     </p:spTree>
     <p:extLst>
       <p:ext uri="{BB962C8B-B14F-4D97-AF65-F5344CB8AC3E}">
-        <p14:creationId xmlns:p14="http://schemas.microsoft.com/office/powerpoint/2010/main" val="401334093"/>
+        <p14:creationId xmlns:p14="http://schemas.microsoft.com/office/powerpoint/2010/main" xmlns="" val="401334093"/>
       </p:ext>
     </p:extLst>
   </p:cSld>
@@ -687,7 +687,15 @@
             </a:r>
             <a:r>
               <a:rPr lang="fr-FR" baseline="0" dirty="0" smtClean="0"/>
-              <a:t> formation d’une journée propose de réaliser des modèles multiphysiques en s’appuyant sur le logiciel </a:t>
+              <a:t> formation d’une journée propose de réaliser des modèles </a:t>
+            </a:r>
+            <a:r>
+              <a:rPr lang="fr-FR" baseline="0" dirty="0" smtClean="0"/>
+              <a:t>multiphysiques en </a:t>
+            </a:r>
+            <a:r>
+              <a:rPr lang="fr-FR" baseline="0" dirty="0" smtClean="0"/>
+              <a:t>s’appuyant sur le logiciel </a:t>
             </a:r>
             <a:r>
               <a:rPr lang="fr-FR" baseline="0" dirty="0" err="1" smtClean="0"/>
@@ -695,7 +703,15 @@
             </a:r>
             <a:r>
               <a:rPr lang="fr-FR" baseline="0" dirty="0" smtClean="0"/>
-              <a:t> et son module </a:t>
+              <a:t> </a:t>
+            </a:r>
+            <a:r>
+              <a:rPr lang="fr-FR" baseline="0" dirty="0" smtClean="0"/>
+              <a:t>et </a:t>
+            </a:r>
+            <a:r>
+              <a:rPr lang="fr-FR" baseline="0" dirty="0" smtClean="0"/>
+              <a:t>son module </a:t>
             </a:r>
             <a:r>
               <a:rPr lang="fr-FR" baseline="0" dirty="0" err="1" smtClean="0"/>
@@ -738,7 +754,7 @@
     </p:spTree>
     <p:extLst>
       <p:ext uri="{BB962C8B-B14F-4D97-AF65-F5344CB8AC3E}">
-        <p14:creationId xmlns:p14="http://schemas.microsoft.com/office/powerpoint/2010/main" val="2560094274"/>
+        <p14:creationId xmlns:p14="http://schemas.microsoft.com/office/powerpoint/2010/main" xmlns="" val="2560094274"/>
       </p:ext>
     </p:extLst>
   </p:cSld>
@@ -931,7 +947,7 @@
     </p:spTree>
     <p:extLst>
       <p:ext uri="{BB962C8B-B14F-4D97-AF65-F5344CB8AC3E}">
-        <p14:creationId xmlns:p14="http://schemas.microsoft.com/office/powerpoint/2010/main" val="1028214212"/>
+        <p14:creationId xmlns:p14="http://schemas.microsoft.com/office/powerpoint/2010/main" xmlns="" val="1028214212"/>
       </p:ext>
     </p:extLst>
   </p:cSld>
@@ -1005,7 +1021,19 @@
             </a:r>
             <a:r>
               <a:rPr lang="fr-FR" baseline="0" dirty="0" smtClean="0"/>
-              <a:t> à partir d’un schéma fourni, et sachent lancer une simulation. </a:t>
+              <a:t> </a:t>
+            </a:r>
+            <a:r>
+              <a:rPr lang="fr-FR" baseline="0" dirty="0" smtClean="0"/>
+              <a:t>à partir d’un schéma </a:t>
+            </a:r>
+            <a:r>
+              <a:rPr lang="fr-FR" baseline="0" dirty="0" smtClean="0"/>
+              <a:t>fourni, </a:t>
+            </a:r>
+            <a:r>
+              <a:rPr lang="fr-FR" baseline="0" dirty="0" smtClean="0"/>
+              <a:t>et sachent lancer une simulation. </a:t>
             </a:r>
           </a:p>
           <a:p>
@@ -1055,7 +1083,7 @@
     </p:spTree>
     <p:extLst>
       <p:ext uri="{BB962C8B-B14F-4D97-AF65-F5344CB8AC3E}">
-        <p14:creationId xmlns:p14="http://schemas.microsoft.com/office/powerpoint/2010/main" val="1495809067"/>
+        <p14:creationId xmlns:p14="http://schemas.microsoft.com/office/powerpoint/2010/main" xmlns="" val="1495809067"/>
       </p:ext>
     </p:extLst>
   </p:cSld>
@@ -1254,7 +1282,7 @@
             <a:fld id="{6709E43B-9441-6341-BD63-84DDA1A9C3FB}" type="datetime1">
               <a:rPr lang="fr-FR" smtClean="0"/>
               <a:pPr/>
-              <a:t>17/12/2014</a:t>
+              <a:t>06/12/2014</a:t>
             </a:fld>
             <a:endParaRPr lang="fr-FR"/>
           </a:p>
@@ -1460,7 +1488,7 @@
             <a:fld id="{268AA955-8B04-894F-8FDF-A5E12E980EDC}" type="datetime1">
               <a:rPr lang="fr-FR" smtClean="0"/>
               <a:pPr/>
-              <a:t>17/12/2014</a:t>
+              <a:t>06/12/2014</a:t>
             </a:fld>
             <a:endParaRPr lang="fr-FR"/>
           </a:p>
@@ -1641,7 +1669,7 @@
             <a:fld id="{FDC97532-5F56-764F-9C75-F53758D5A21E}" type="datetime1">
               <a:rPr lang="fr-FR" smtClean="0"/>
               <a:pPr/>
-              <a:t>17/12/2014</a:t>
+              <a:t>06/12/2014</a:t>
             </a:fld>
             <a:endParaRPr lang="fr-FR"/>
           </a:p>
@@ -1838,7 +1866,7 @@
             <a:fld id="{EC050341-9FD1-4D41-897E-C16A13D412D6}" type="datetime1">
               <a:rPr lang="fr-FR" smtClean="0"/>
               <a:pPr/>
-              <a:t>17/12/2014</a:t>
+              <a:t>06/12/2014</a:t>
             </a:fld>
             <a:endParaRPr lang="fr-FR"/>
           </a:p>
@@ -2099,7 +2127,7 @@
             <a:fld id="{267F1CD6-E1AD-4847-B8D2-9BC7541D26A9}" type="datetime1">
               <a:rPr lang="fr-FR" smtClean="0"/>
               <a:pPr/>
-              <a:t>17/12/2014</a:t>
+              <a:t>06/12/2014</a:t>
             </a:fld>
             <a:endParaRPr lang="fr-FR"/>
           </a:p>
@@ -2423,7 +2451,7 @@
             <a:fld id="{377C4889-60B5-CD4F-97E2-5B317AA429BB}" type="datetime1">
               <a:rPr lang="fr-FR" smtClean="0"/>
               <a:pPr/>
-              <a:t>17/12/2014</a:t>
+              <a:t>06/12/2014</a:t>
             </a:fld>
             <a:endParaRPr lang="fr-FR"/>
           </a:p>
@@ -2895,7 +2923,7 @@
             <a:fld id="{0FA1CA9B-4F70-864C-920B-92AD8DFE7583}" type="datetime1">
               <a:rPr lang="fr-FR" smtClean="0"/>
               <a:pPr/>
-              <a:t>17/12/2014</a:t>
+              <a:t>06/12/2014</a:t>
             </a:fld>
             <a:endParaRPr lang="fr-FR"/>
           </a:p>
@@ -3049,7 +3077,7 @@
             <a:fld id="{4F2CC383-4EE0-2241-AEE6-2AAA6580B403}" type="datetime1">
               <a:rPr lang="fr-FR" smtClean="0"/>
               <a:pPr/>
-              <a:t>17/12/2014</a:t>
+              <a:t>06/12/2014</a:t>
             </a:fld>
             <a:endParaRPr lang="fr-FR"/>
           </a:p>
@@ -3145,7 +3173,7 @@
             <a:fld id="{3F29AFFA-2E38-E240-9E76-4B3B98489A6D}" type="datetime1">
               <a:rPr lang="fr-FR" smtClean="0"/>
               <a:pPr/>
-              <a:t>17/12/2014</a:t>
+              <a:t>06/12/2014</a:t>
             </a:fld>
             <a:endParaRPr lang="fr-FR"/>
           </a:p>
@@ -3425,7 +3453,7 @@
             <a:fld id="{BC66C2F2-1133-B742-8E81-ACE648734598}" type="datetime1">
               <a:rPr lang="fr-FR" smtClean="0"/>
               <a:pPr/>
-              <a:t>17/12/2014</a:t>
+              <a:t>06/12/2014</a:t>
             </a:fld>
             <a:endParaRPr lang="fr-FR"/>
           </a:p>
@@ -3736,7 +3764,7 @@
             <a:fld id="{7312FBEE-7E81-E746-8617-1B9234528FDD}" type="datetime1">
               <a:rPr lang="fr-FR" smtClean="0"/>
               <a:pPr/>
-              <a:t>17/12/2014</a:t>
+              <a:t>06/12/2014</a:t>
             </a:fld>
             <a:endParaRPr lang="fr-FR"/>
           </a:p>
@@ -4040,7 +4068,7 @@
             <a:fld id="{B90A4B7D-106F-C147-BCBF-57A394B22041}" type="datetime1">
               <a:rPr lang="fr-FR" smtClean="0"/>
               <a:pPr/>
-              <a:t>17/12/2014</a:t>
+              <a:t>06/12/2014</a:t>
             </a:fld>
             <a:endParaRPr lang="fr-FR"/>
           </a:p>
@@ -4517,6 +4545,7 @@
               <a:rPr lang="fr-FR" dirty="0" smtClean="0"/>
               <a:t>Approche causale et acausale</a:t>
             </a:r>
+            <a:endParaRPr lang="fr-FR" dirty="0" smtClean="0"/>
           </a:p>
           <a:p>
             <a:endParaRPr lang="fr-FR" dirty="0"/>
@@ -4576,18 +4605,18 @@
     </p:spTree>
     <p:extLst>
       <p:ext uri="{BB962C8B-B14F-4D97-AF65-F5344CB8AC3E}">
-        <p14:creationId xmlns:p14="http://schemas.microsoft.com/office/powerpoint/2010/main" val="3037635492"/>
+        <p14:creationId xmlns:p14="http://schemas.microsoft.com/office/powerpoint/2010/main" xmlns="" val="3037635492"/>
       </p:ext>
     </p:extLst>
   </p:cSld>
   <p:clrMapOvr>
     <a:masterClrMapping/>
   </p:clrMapOvr>
-  <mc:AlternateContent xmlns:mc="http://schemas.openxmlformats.org/markup-compatibility/2006" xmlns:p14="http://schemas.microsoft.com/office/powerpoint/2010/main">
-    <mc:Choice Requires="p14">
+  <mc:AlternateContent xmlns:mc="http://schemas.openxmlformats.org/markup-compatibility/2006">
+    <mc:Choice xmlns:p14="http://schemas.microsoft.com/office/powerpoint/2010/main" xmlns="" Requires="p14">
       <p:transition spd="slow" p14:dur="2000"/>
     </mc:Choice>
-    <mc:Fallback xmlns="">
+    <mc:Fallback>
       <p:transition spd="slow"/>
     </mc:Fallback>
   </mc:AlternateContent>
@@ -4740,7 +4769,7 @@
           <a:blip r:embed="rId3">
             <a:extLst>
               <a:ext uri="{28A0092B-C50C-407E-A947-70E740481C1C}">
-                <a14:useLocalDpi xmlns:a14="http://schemas.microsoft.com/office/drawing/2010/main" val="0"/>
+                <a14:useLocalDpi xmlns:a14="http://schemas.microsoft.com/office/drawing/2010/main" xmlns="" val="0"/>
               </a:ext>
             </a:extLst>
           </a:blip>
@@ -4769,14 +4798,14 @@
           </a:effectLst>
           <a:extLst>
             <a:ext uri="{909E8E84-426E-40DD-AFC4-6F175D3DCCD1}">
-              <a14:hiddenFill xmlns:a14="http://schemas.microsoft.com/office/drawing/2010/main">
+              <a14:hiddenFill xmlns:a14="http://schemas.microsoft.com/office/drawing/2010/main" xmlns="">
                 <a:solidFill>
                   <a:schemeClr val="accent1"/>
                 </a:solidFill>
               </a14:hiddenFill>
             </a:ext>
             <a:ext uri="{91240B29-F687-4F45-9708-019B960494DF}">
-              <a14:hiddenLine xmlns:a14="http://schemas.microsoft.com/office/drawing/2010/main" w="9525">
+              <a14:hiddenLine xmlns:a14="http://schemas.microsoft.com/office/drawing/2010/main" xmlns="" w="9525">
                 <a:solidFill>
                   <a:schemeClr val="tx1"/>
                 </a:solidFill>
@@ -4800,7 +4829,7 @@
           <a:blip r:embed="rId4">
             <a:extLst>
               <a:ext uri="{28A0092B-C50C-407E-A947-70E740481C1C}">
-                <a14:useLocalDpi xmlns:a14="http://schemas.microsoft.com/office/drawing/2010/main" val="0"/>
+                <a14:useLocalDpi xmlns:a14="http://schemas.microsoft.com/office/drawing/2010/main" xmlns="" val="0"/>
               </a:ext>
             </a:extLst>
           </a:blip>
@@ -4824,14 +4853,14 @@
           <a:effectLst/>
           <a:extLst>
             <a:ext uri="{909E8E84-426E-40DD-AFC4-6F175D3DCCD1}">
-              <a14:hiddenFill xmlns:a14="http://schemas.microsoft.com/office/drawing/2010/main">
+              <a14:hiddenFill xmlns:a14="http://schemas.microsoft.com/office/drawing/2010/main" xmlns="">
                 <a:solidFill>
                   <a:schemeClr val="accent1"/>
                 </a:solidFill>
               </a14:hiddenFill>
             </a:ext>
             <a:ext uri="{91240B29-F687-4F45-9708-019B960494DF}">
-              <a14:hiddenLine xmlns:a14="http://schemas.microsoft.com/office/drawing/2010/main" w="9525">
+              <a14:hiddenLine xmlns:a14="http://schemas.microsoft.com/office/drawing/2010/main" xmlns="" w="9525">
                 <a:solidFill>
                   <a:schemeClr val="tx1"/>
                 </a:solidFill>
@@ -4841,7 +4870,7 @@
               </a14:hiddenLine>
             </a:ext>
             <a:ext uri="{AF507438-7753-43E0-B8FC-AC1667EBCBE1}">
-              <a14:hiddenEffects xmlns:a14="http://schemas.microsoft.com/office/drawing/2010/main">
+              <a14:hiddenEffects xmlns:a14="http://schemas.microsoft.com/office/drawing/2010/main" xmlns="">
                 <a:effectLst>
                   <a:outerShdw dist="35921" dir="2700000" algn="ctr" rotWithShape="0">
                     <a:schemeClr val="bg2"/>
@@ -4864,7 +4893,7 @@
           <a:blip r:embed="rId5" cstate="print">
             <a:extLst>
               <a:ext uri="{28A0092B-C50C-407E-A947-70E740481C1C}">
-                <a14:useLocalDpi xmlns:a14="http://schemas.microsoft.com/office/drawing/2010/main" val="0"/>
+                <a14:useLocalDpi xmlns:a14="http://schemas.microsoft.com/office/drawing/2010/main" xmlns="" val="0"/>
               </a:ext>
             </a:extLst>
           </a:blip>
@@ -4888,14 +4917,14 @@
           <a:effectLst/>
           <a:extLst>
             <a:ext uri="{909E8E84-426E-40DD-AFC4-6F175D3DCCD1}">
-              <a14:hiddenFill xmlns:a14="http://schemas.microsoft.com/office/drawing/2010/main">
+              <a14:hiddenFill xmlns:a14="http://schemas.microsoft.com/office/drawing/2010/main" xmlns="">
                 <a:solidFill>
                   <a:schemeClr val="accent1"/>
                 </a:solidFill>
               </a14:hiddenFill>
             </a:ext>
             <a:ext uri="{91240B29-F687-4F45-9708-019B960494DF}">
-              <a14:hiddenLine xmlns:a14="http://schemas.microsoft.com/office/drawing/2010/main" w="9525">
+              <a14:hiddenLine xmlns:a14="http://schemas.microsoft.com/office/drawing/2010/main" xmlns="" w="9525">
                 <a:solidFill>
                   <a:schemeClr val="tx1"/>
                 </a:solidFill>
@@ -4905,7 +4934,7 @@
               </a14:hiddenLine>
             </a:ext>
             <a:ext uri="{AF507438-7753-43E0-B8FC-AC1667EBCBE1}">
-              <a14:hiddenEffects xmlns:a14="http://schemas.microsoft.com/office/drawing/2010/main">
+              <a14:hiddenEffects xmlns:a14="http://schemas.microsoft.com/office/drawing/2010/main" xmlns="">
                 <a:effectLst>
                   <a:outerShdw dist="35921" dir="2700000" algn="ctr" rotWithShape="0">
                     <a:schemeClr val="bg2"/>
@@ -5018,7 +5047,23 @@
             <a:pPr lvl="1"/>
             <a:r>
               <a:rPr lang="fr-FR" dirty="0" smtClean="0"/>
-              <a:t>Dans ce volet de la formation nous proposons aux participants de réaliser un modèle multiphysique en autonomie à partir d’un système de TP, d’un sujet d’examen ou de concours.</a:t>
+              <a:t>Dans ce volet de la formation nous proposons aux participants de réaliser un modèle multiphysique en autonomie à partir d’un système de </a:t>
+            </a:r>
+            <a:r>
+              <a:rPr lang="fr-FR" dirty="0" smtClean="0"/>
+              <a:t>TP, d’un </a:t>
+            </a:r>
+            <a:r>
+              <a:rPr lang="fr-FR" dirty="0" smtClean="0"/>
+              <a:t>sujet </a:t>
+            </a:r>
+            <a:r>
+              <a:rPr lang="fr-FR" dirty="0" smtClean="0"/>
+              <a:t>d’examen </a:t>
+            </a:r>
+            <a:r>
+              <a:rPr lang="fr-FR" dirty="0" smtClean="0"/>
+              <a:t>ou de concours.</a:t>
             </a:r>
           </a:p>
           <a:p>
@@ -5031,7 +5076,11 @@
             <a:pPr lvl="1"/>
             <a:r>
               <a:rPr lang="fr-FR" dirty="0" smtClean="0"/>
-              <a:t>Dans ce volet, nous proposons aux participants de créer un TP ou un TD s’appuyant sur le logiciel </a:t>
+              <a:t>Dans ce volet, nous proposons aux participants de créer un TP ou un TD s’appuyant sur </a:t>
+            </a:r>
+            <a:r>
+              <a:rPr lang="fr-FR" dirty="0" smtClean="0"/>
+              <a:t>le logiciel </a:t>
             </a:r>
             <a:r>
               <a:rPr lang="fr-FR" dirty="0" err="1" smtClean="0"/>
@@ -5049,6 +5098,7 @@
               <a:rPr lang="fr-FR" dirty="0" smtClean="0"/>
               <a:t>. </a:t>
             </a:r>
+            <a:endParaRPr lang="fr-FR" dirty="0" smtClean="0"/>
           </a:p>
           <a:p>
             <a:pPr lvl="1"/>
@@ -5061,7 +5111,23 @@
             <a:pPr lvl="1"/>
             <a:r>
               <a:rPr lang="fr-FR" dirty="0" smtClean="0"/>
-              <a:t>Les participants peuvent apporter leurs propres documents afin de développer leurs propres modèles.</a:t>
+              <a:t>Les participants peuvent apporter leurs </a:t>
+            </a:r>
+            <a:r>
+              <a:rPr lang="fr-FR" dirty="0" smtClean="0"/>
+              <a:t>propres </a:t>
+            </a:r>
+            <a:r>
+              <a:rPr lang="fr-FR" dirty="0" smtClean="0"/>
+              <a:t>documents afin de développer </a:t>
+            </a:r>
+            <a:r>
+              <a:rPr lang="fr-FR" dirty="0" smtClean="0"/>
+              <a:t>leurs propres </a:t>
+            </a:r>
+            <a:r>
+              <a:rPr lang="fr-FR" dirty="0" smtClean="0"/>
+              <a:t>modèles.</a:t>
             </a:r>
           </a:p>
           <a:p>
@@ -5082,7 +5148,7 @@
     </p:spTree>
     <p:extLst>
       <p:ext uri="{BB962C8B-B14F-4D97-AF65-F5344CB8AC3E}">
-        <p14:creationId xmlns:p14="http://schemas.microsoft.com/office/powerpoint/2010/main" val="2718835750"/>
+        <p14:creationId xmlns:p14="http://schemas.microsoft.com/office/powerpoint/2010/main" xmlns="" val="2718835750"/>
       </p:ext>
     </p:extLst>
   </p:cSld>
@@ -5171,13 +5237,21 @@
             </a:r>
             <a:r>
               <a:rPr lang="fr-FR" dirty="0" smtClean="0"/>
-              <a:t> est demandée</a:t>
-            </a:r>
-          </a:p>
-          <a:p>
+              <a:t> </a:t>
+            </a:r>
             <a:r>
               <a:rPr lang="fr-FR" dirty="0" smtClean="0"/>
-              <a:t>Besoins logiciels</a:t>
+              <a:t>est demandée</a:t>
+            </a:r>
+          </a:p>
+          <a:p>
+            <a:r>
+              <a:rPr lang="fr-FR" dirty="0" smtClean="0"/>
+              <a:t>Besoins </a:t>
+            </a:r>
+            <a:r>
+              <a:rPr lang="fr-FR" dirty="0" smtClean="0"/>
+              <a:t>logiciels</a:t>
             </a:r>
           </a:p>
           <a:p>
@@ -5186,7 +5260,11 @@
             </a:pPr>
             <a:r>
               <a:rPr lang="fr-FR" sz="1600" b="1" dirty="0" smtClean="0"/>
-              <a:t>(dans le cas où le professeur voudrait assister à la formation avec son ordinateur personnel)</a:t>
+              <a:t>(dans </a:t>
+            </a:r>
+            <a:r>
+              <a:rPr lang="fr-FR" sz="1600" b="1" dirty="0" smtClean="0"/>
+              <a:t>le cas où le professeur voudrait assister à la formation avec son ordinateur personnel)</a:t>
             </a:r>
             <a:endParaRPr lang="fr-FR" b="1" dirty="0" smtClean="0"/>
           </a:p>
@@ -5317,7 +5395,7 @@
     </p:spTree>
     <p:extLst>
       <p:ext uri="{BB962C8B-B14F-4D97-AF65-F5344CB8AC3E}">
-        <p14:creationId xmlns:p14="http://schemas.microsoft.com/office/powerpoint/2010/main" val="2248875390"/>
+        <p14:creationId xmlns:p14="http://schemas.microsoft.com/office/powerpoint/2010/main" xmlns="" val="2248875390"/>
       </p:ext>
     </p:extLst>
   </p:cSld>
